--- a/Slides/stills.pptx
+++ b/Slides/stills.pptx
@@ -11,7 +11,8 @@
     <p:sldId id="278" r:id="rId5"/>
     <p:sldId id="279" r:id="rId6"/>
     <p:sldId id="280" r:id="rId7"/>
-    <p:sldId id="281" r:id="rId8"/>
+    <p:sldId id="282" r:id="rId8"/>
+    <p:sldId id="281" r:id="rId9"/>
   </p:sldIdLst>
   <p:sldSz cx="12192000" cy="6858000"/>
   <p:notesSz cx="6858000" cy="9144000"/>
@@ -276,7 +277,7 @@
           <a:p>
             <a:fld id="{1C4588B7-AB7C-C348-BDC9-E184859105BC}" type="datetimeFigureOut">
               <a:rPr lang="en-US" smtClean="0"/>
-              <a:t>1/27/24</a:t>
+              <a:t>2/5/24</a:t>
             </a:fld>
             <a:endParaRPr lang="en-US"/>
           </a:p>
@@ -474,7 +475,7 @@
           <a:p>
             <a:fld id="{1C4588B7-AB7C-C348-BDC9-E184859105BC}" type="datetimeFigureOut">
               <a:rPr lang="en-US" smtClean="0"/>
-              <a:t>1/27/24</a:t>
+              <a:t>2/5/24</a:t>
             </a:fld>
             <a:endParaRPr lang="en-US"/>
           </a:p>
@@ -682,7 +683,7 @@
           <a:p>
             <a:fld id="{1C4588B7-AB7C-C348-BDC9-E184859105BC}" type="datetimeFigureOut">
               <a:rPr lang="en-US" smtClean="0"/>
-              <a:t>1/27/24</a:t>
+              <a:t>2/5/24</a:t>
             </a:fld>
             <a:endParaRPr lang="en-US"/>
           </a:p>
@@ -880,7 +881,7 @@
           <a:p>
             <a:fld id="{1C4588B7-AB7C-C348-BDC9-E184859105BC}" type="datetimeFigureOut">
               <a:rPr lang="en-US" smtClean="0"/>
-              <a:t>1/27/24</a:t>
+              <a:t>2/5/24</a:t>
             </a:fld>
             <a:endParaRPr lang="en-US"/>
           </a:p>
@@ -1155,7 +1156,7 @@
           <a:p>
             <a:fld id="{1C4588B7-AB7C-C348-BDC9-E184859105BC}" type="datetimeFigureOut">
               <a:rPr lang="en-US" smtClean="0"/>
-              <a:t>1/27/24</a:t>
+              <a:t>2/5/24</a:t>
             </a:fld>
             <a:endParaRPr lang="en-US"/>
           </a:p>
@@ -1420,7 +1421,7 @@
           <a:p>
             <a:fld id="{1C4588B7-AB7C-C348-BDC9-E184859105BC}" type="datetimeFigureOut">
               <a:rPr lang="en-US" smtClean="0"/>
-              <a:t>1/27/24</a:t>
+              <a:t>2/5/24</a:t>
             </a:fld>
             <a:endParaRPr lang="en-US"/>
           </a:p>
@@ -1832,7 +1833,7 @@
           <a:p>
             <a:fld id="{1C4588B7-AB7C-C348-BDC9-E184859105BC}" type="datetimeFigureOut">
               <a:rPr lang="en-US" smtClean="0"/>
-              <a:t>1/27/24</a:t>
+              <a:t>2/5/24</a:t>
             </a:fld>
             <a:endParaRPr lang="en-US"/>
           </a:p>
@@ -1973,7 +1974,7 @@
           <a:p>
             <a:fld id="{1C4588B7-AB7C-C348-BDC9-E184859105BC}" type="datetimeFigureOut">
               <a:rPr lang="en-US" smtClean="0"/>
-              <a:t>1/27/24</a:t>
+              <a:t>2/5/24</a:t>
             </a:fld>
             <a:endParaRPr lang="en-US"/>
           </a:p>
@@ -2086,7 +2087,7 @@
           <a:p>
             <a:fld id="{1C4588B7-AB7C-C348-BDC9-E184859105BC}" type="datetimeFigureOut">
               <a:rPr lang="en-US" smtClean="0"/>
-              <a:t>1/27/24</a:t>
+              <a:t>2/5/24</a:t>
             </a:fld>
             <a:endParaRPr lang="en-US"/>
           </a:p>
@@ -2397,7 +2398,7 @@
           <a:p>
             <a:fld id="{1C4588B7-AB7C-C348-BDC9-E184859105BC}" type="datetimeFigureOut">
               <a:rPr lang="en-US" smtClean="0"/>
-              <a:t>1/27/24</a:t>
+              <a:t>2/5/24</a:t>
             </a:fld>
             <a:endParaRPr lang="en-US"/>
           </a:p>
@@ -2685,7 +2686,7 @@
           <a:p>
             <a:fld id="{1C4588B7-AB7C-C348-BDC9-E184859105BC}" type="datetimeFigureOut">
               <a:rPr lang="en-US" smtClean="0"/>
-              <a:t>1/27/24</a:t>
+              <a:t>2/5/24</a:t>
             </a:fld>
             <a:endParaRPr lang="en-US"/>
           </a:p>
@@ -2926,7 +2927,7 @@
           <a:p>
             <a:fld id="{1C4588B7-AB7C-C348-BDC9-E184859105BC}" type="datetimeFigureOut">
               <a:rPr lang="en-US" smtClean="0"/>
-              <a:t>1/27/24</a:t>
+              <a:t>2/5/24</a:t>
             </a:fld>
             <a:endParaRPr lang="en-US"/>
           </a:p>
@@ -5140,6 +5141,203 @@
           <a:chExt cx="0" cy="0"/>
         </a:xfrm>
       </p:grpSpPr>
+      <p:pic>
+        <p:nvPicPr>
+          <p:cNvPr id="2" name="Picture 2" descr="Free Stick Figures Family vector and picture">
+            <a:extLst>
+              <a:ext uri="{FF2B5EF4-FFF2-40B4-BE49-F238E27FC236}">
+                <a16:creationId xmlns:a16="http://schemas.microsoft.com/office/drawing/2014/main" id="{31ACC949-7637-22D8-7F65-ACC1EA813B96}"/>
+              </a:ext>
+            </a:extLst>
+          </p:cNvPr>
+          <p:cNvPicPr>
+            <a:picLocks noChangeAspect="1" noChangeArrowheads="1"/>
+          </p:cNvPicPr>
+          <p:nvPr/>
+        </p:nvPicPr>
+        <p:blipFill rotWithShape="1">
+          <a:blip r:embed="rId2">
+            <a:extLst>
+              <a:ext uri="{28A0092B-C50C-407E-A947-70E740481C1C}">
+                <a14:useLocalDpi xmlns:a14="http://schemas.microsoft.com/office/drawing/2010/main" val="0"/>
+              </a:ext>
+            </a:extLst>
+          </a:blip>
+          <a:srcRect l="-1946" t="-278" r="78883" b="278"/>
+          <a:stretch/>
+        </p:blipFill>
+        <p:spPr bwMode="auto">
+          <a:xfrm>
+            <a:off x="2031991" y="962561"/>
+            <a:ext cx="1969984" cy="4270829"/>
+          </a:xfrm>
+          <a:prstGeom prst="rect">
+            <a:avLst/>
+          </a:prstGeom>
+          <a:noFill/>
+          <a:extLst>
+            <a:ext uri="{909E8E84-426E-40DD-AFC4-6F175D3DCCD1}">
+              <a14:hiddenFill xmlns:a14="http://schemas.microsoft.com/office/drawing/2010/main">
+                <a:solidFill>
+                  <a:srgbClr val="FFFFFF"/>
+                </a:solidFill>
+              </a14:hiddenFill>
+            </a:ext>
+          </a:extLst>
+        </p:spPr>
+      </p:pic>
+      <p:pic>
+        <p:nvPicPr>
+          <p:cNvPr id="3" name="Picture 2" descr="Free Stick Figures Family vector and picture">
+            <a:extLst>
+              <a:ext uri="{FF2B5EF4-FFF2-40B4-BE49-F238E27FC236}">
+                <a16:creationId xmlns:a16="http://schemas.microsoft.com/office/drawing/2014/main" id="{FB508787-FF57-3C30-4A5A-974F6BC6A98F}"/>
+              </a:ext>
+            </a:extLst>
+          </p:cNvPr>
+          <p:cNvPicPr>
+            <a:picLocks noChangeAspect="1" noChangeArrowheads="1"/>
+          </p:cNvPicPr>
+          <p:nvPr/>
+        </p:nvPicPr>
+        <p:blipFill rotWithShape="1">
+          <a:blip r:embed="rId2">
+            <a:extLst>
+              <a:ext uri="{28A0092B-C50C-407E-A947-70E740481C1C}">
+                <a14:useLocalDpi xmlns:a14="http://schemas.microsoft.com/office/drawing/2010/main" val="0"/>
+              </a:ext>
+            </a:extLst>
+          </a:blip>
+          <a:srcRect l="-1946" t="-278" r="78883" b="278"/>
+          <a:stretch/>
+        </p:blipFill>
+        <p:spPr bwMode="auto">
+          <a:xfrm>
+            <a:off x="4642598" y="986312"/>
+            <a:ext cx="1969984" cy="4270829"/>
+          </a:xfrm>
+          <a:prstGeom prst="rect">
+            <a:avLst/>
+          </a:prstGeom>
+          <a:noFill/>
+          <a:extLst>
+            <a:ext uri="{909E8E84-426E-40DD-AFC4-6F175D3DCCD1}">
+              <a14:hiddenFill xmlns:a14="http://schemas.microsoft.com/office/drawing/2010/main">
+                <a:solidFill>
+                  <a:srgbClr val="FFFFFF"/>
+                </a:solidFill>
+              </a14:hiddenFill>
+            </a:ext>
+          </a:extLst>
+        </p:spPr>
+      </p:pic>
+      <p:pic>
+        <p:nvPicPr>
+          <p:cNvPr id="4" name="Picture 8" descr="Free Frame Ecommerce illustration and picture">
+            <a:extLst>
+              <a:ext uri="{FF2B5EF4-FFF2-40B4-BE49-F238E27FC236}">
+                <a16:creationId xmlns:a16="http://schemas.microsoft.com/office/drawing/2014/main" id="{026F98BD-1A85-20ED-48EA-FD22191955C1}"/>
+              </a:ext>
+            </a:extLst>
+          </p:cNvPr>
+          <p:cNvPicPr>
+            <a:picLocks noChangeAspect="1" noChangeArrowheads="1"/>
+          </p:cNvPicPr>
+          <p:nvPr/>
+        </p:nvPicPr>
+        <p:blipFill>
+          <a:blip r:embed="rId3">
+            <a:extLst>
+              <a:ext uri="{28A0092B-C50C-407E-A947-70E740481C1C}">
+                <a14:useLocalDpi xmlns:a14="http://schemas.microsoft.com/office/drawing/2010/main" val="0"/>
+              </a:ext>
+            </a:extLst>
+          </a:blip>
+          <a:srcRect/>
+          <a:stretch>
+            <a:fillRect/>
+          </a:stretch>
+        </p:blipFill>
+        <p:spPr bwMode="auto">
+          <a:xfrm>
+            <a:off x="1886857" y="245003"/>
+            <a:ext cx="4677559" cy="6209913"/>
+          </a:xfrm>
+          <a:prstGeom prst="rect">
+            <a:avLst/>
+          </a:prstGeom>
+          <a:noFill/>
+          <a:extLst>
+            <a:ext uri="{909E8E84-426E-40DD-AFC4-6F175D3DCCD1}">
+              <a14:hiddenFill xmlns:a14="http://schemas.microsoft.com/office/drawing/2010/main">
+                <a:solidFill>
+                  <a:srgbClr val="FFFFFF"/>
+                </a:solidFill>
+              </a14:hiddenFill>
+            </a:ext>
+          </a:extLst>
+        </p:spPr>
+      </p:pic>
+      <p:pic>
+        <p:nvPicPr>
+          <p:cNvPr id="5" name="Picture 4">
+            <a:extLst>
+              <a:ext uri="{FF2B5EF4-FFF2-40B4-BE49-F238E27FC236}">
+                <a16:creationId xmlns:a16="http://schemas.microsoft.com/office/drawing/2014/main" id="{F0C344C2-6CF6-A221-3A8E-A5FA1B499B70}"/>
+              </a:ext>
+            </a:extLst>
+          </p:cNvPr>
+          <p:cNvPicPr>
+            <a:picLocks noChangeAspect="1"/>
+          </p:cNvPicPr>
+          <p:nvPr/>
+        </p:nvPicPr>
+        <p:blipFill>
+          <a:blip r:embed="rId4"/>
+          <a:stretch>
+            <a:fillRect/>
+          </a:stretch>
+        </p:blipFill>
+        <p:spPr>
+          <a:xfrm>
+            <a:off x="2992285" y="1959428"/>
+            <a:ext cx="2565824" cy="3633025"/>
+          </a:xfrm>
+          <a:prstGeom prst="rect">
+            <a:avLst/>
+          </a:prstGeom>
+        </p:spPr>
+      </p:pic>
+    </p:spTree>
+    <p:extLst>
+      <p:ext uri="{BB962C8B-B14F-4D97-AF65-F5344CB8AC3E}">
+        <p14:creationId xmlns:p14="http://schemas.microsoft.com/office/powerpoint/2010/main" val="163301638"/>
+      </p:ext>
+    </p:extLst>
+  </p:cSld>
+  <p:clrMapOvr>
+    <a:masterClrMapping/>
+  </p:clrMapOvr>
+</p:sld>
+</file>
+
+<file path=ppt/slides/slide8.xml><?xml version="1.0" encoding="utf-8"?>
+<p:sld xmlns:a="http://schemas.openxmlformats.org/drawingml/2006/main" xmlns:r="http://schemas.openxmlformats.org/officeDocument/2006/relationships" xmlns:p="http://schemas.openxmlformats.org/presentationml/2006/main">
+  <p:cSld>
+    <p:spTree>
+      <p:nvGrpSpPr>
+        <p:cNvPr id="1" name=""/>
+        <p:cNvGrpSpPr/>
+        <p:nvPr/>
+      </p:nvGrpSpPr>
+      <p:grpSpPr>
+        <a:xfrm>
+          <a:off x="0" y="0"/>
+          <a:ext cx="0" cy="0"/>
+          <a:chOff x="0" y="0"/>
+          <a:chExt cx="0" cy="0"/>
+        </a:xfrm>
+      </p:grpSpPr>
       <p:sp>
         <p:nvSpPr>
           <p:cNvPr id="2" name="Bent Arrow 1">

--- a/Slides/stills.pptx
+++ b/Slides/stills.pptx
@@ -7,12 +7,10 @@
   <p:sldIdLst>
     <p:sldId id="257" r:id="rId2"/>
     <p:sldId id="258" r:id="rId3"/>
-    <p:sldId id="277" r:id="rId4"/>
-    <p:sldId id="278" r:id="rId5"/>
-    <p:sldId id="279" r:id="rId6"/>
-    <p:sldId id="280" r:id="rId7"/>
-    <p:sldId id="282" r:id="rId8"/>
-    <p:sldId id="281" r:id="rId9"/>
+    <p:sldId id="282" r:id="rId4"/>
+    <p:sldId id="283" r:id="rId5"/>
+    <p:sldId id="284" r:id="rId6"/>
+    <p:sldId id="281" r:id="rId7"/>
   </p:sldIdLst>
   <p:sldSz cx="12192000" cy="6858000"/>
   <p:notesSz cx="6858000" cy="9144000"/>
@@ -277,7 +275,7 @@
           <a:p>
             <a:fld id="{1C4588B7-AB7C-C348-BDC9-E184859105BC}" type="datetimeFigureOut">
               <a:rPr lang="en-US" smtClean="0"/>
-              <a:t>2/5/24</a:t>
+              <a:t>3/7/24</a:t>
             </a:fld>
             <a:endParaRPr lang="en-US"/>
           </a:p>
@@ -475,7 +473,7 @@
           <a:p>
             <a:fld id="{1C4588B7-AB7C-C348-BDC9-E184859105BC}" type="datetimeFigureOut">
               <a:rPr lang="en-US" smtClean="0"/>
-              <a:t>2/5/24</a:t>
+              <a:t>3/7/24</a:t>
             </a:fld>
             <a:endParaRPr lang="en-US"/>
           </a:p>
@@ -683,7 +681,7 @@
           <a:p>
             <a:fld id="{1C4588B7-AB7C-C348-BDC9-E184859105BC}" type="datetimeFigureOut">
               <a:rPr lang="en-US" smtClean="0"/>
-              <a:t>2/5/24</a:t>
+              <a:t>3/7/24</a:t>
             </a:fld>
             <a:endParaRPr lang="en-US"/>
           </a:p>
@@ -881,7 +879,7 @@
           <a:p>
             <a:fld id="{1C4588B7-AB7C-C348-BDC9-E184859105BC}" type="datetimeFigureOut">
               <a:rPr lang="en-US" smtClean="0"/>
-              <a:t>2/5/24</a:t>
+              <a:t>3/7/24</a:t>
             </a:fld>
             <a:endParaRPr lang="en-US"/>
           </a:p>
@@ -1156,7 +1154,7 @@
           <a:p>
             <a:fld id="{1C4588B7-AB7C-C348-BDC9-E184859105BC}" type="datetimeFigureOut">
               <a:rPr lang="en-US" smtClean="0"/>
-              <a:t>2/5/24</a:t>
+              <a:t>3/7/24</a:t>
             </a:fld>
             <a:endParaRPr lang="en-US"/>
           </a:p>
@@ -1421,7 +1419,7 @@
           <a:p>
             <a:fld id="{1C4588B7-AB7C-C348-BDC9-E184859105BC}" type="datetimeFigureOut">
               <a:rPr lang="en-US" smtClean="0"/>
-              <a:t>2/5/24</a:t>
+              <a:t>3/7/24</a:t>
             </a:fld>
             <a:endParaRPr lang="en-US"/>
           </a:p>
@@ -1833,7 +1831,7 @@
           <a:p>
             <a:fld id="{1C4588B7-AB7C-C348-BDC9-E184859105BC}" type="datetimeFigureOut">
               <a:rPr lang="en-US" smtClean="0"/>
-              <a:t>2/5/24</a:t>
+              <a:t>3/7/24</a:t>
             </a:fld>
             <a:endParaRPr lang="en-US"/>
           </a:p>
@@ -1974,7 +1972,7 @@
           <a:p>
             <a:fld id="{1C4588B7-AB7C-C348-BDC9-E184859105BC}" type="datetimeFigureOut">
               <a:rPr lang="en-US" smtClean="0"/>
-              <a:t>2/5/24</a:t>
+              <a:t>3/7/24</a:t>
             </a:fld>
             <a:endParaRPr lang="en-US"/>
           </a:p>
@@ -2087,7 +2085,7 @@
           <a:p>
             <a:fld id="{1C4588B7-AB7C-C348-BDC9-E184859105BC}" type="datetimeFigureOut">
               <a:rPr lang="en-US" smtClean="0"/>
-              <a:t>2/5/24</a:t>
+              <a:t>3/7/24</a:t>
             </a:fld>
             <a:endParaRPr lang="en-US"/>
           </a:p>
@@ -2398,7 +2396,7 @@
           <a:p>
             <a:fld id="{1C4588B7-AB7C-C348-BDC9-E184859105BC}" type="datetimeFigureOut">
               <a:rPr lang="en-US" smtClean="0"/>
-              <a:t>2/5/24</a:t>
+              <a:t>3/7/24</a:t>
             </a:fld>
             <a:endParaRPr lang="en-US"/>
           </a:p>
@@ -2686,7 +2684,7 @@
           <a:p>
             <a:fld id="{1C4588B7-AB7C-C348-BDC9-E184859105BC}" type="datetimeFigureOut">
               <a:rPr lang="en-US" smtClean="0"/>
-              <a:t>2/5/24</a:t>
+              <a:t>3/7/24</a:t>
             </a:fld>
             <a:endParaRPr lang="en-US"/>
           </a:p>
@@ -2927,7 +2925,7 @@
           <a:p>
             <a:fld id="{1C4588B7-AB7C-C348-BDC9-E184859105BC}" type="datetimeFigureOut">
               <a:rPr lang="en-US" smtClean="0"/>
-              <a:t>2/5/24</a:t>
+              <a:t>3/7/24</a:t>
             </a:fld>
             <a:endParaRPr lang="en-US"/>
           </a:p>
@@ -4165,10 +4163,10 @@
       </p:pic>
       <p:pic>
         <p:nvPicPr>
-          <p:cNvPr id="12" name="Content Placeholder 9" descr="Trophy with solid fill">
-            <a:extLst>
-              <a:ext uri="{FF2B5EF4-FFF2-40B4-BE49-F238E27FC236}">
-                <a16:creationId xmlns:a16="http://schemas.microsoft.com/office/drawing/2014/main" id="{AE19284C-55D4-ED41-99B0-CB46705DACDB}"/>
+          <p:cNvPr id="13" name="Content Placeholder 9" descr="Trophy with solid fill">
+            <a:extLst>
+              <a:ext uri="{FF2B5EF4-FFF2-40B4-BE49-F238E27FC236}">
+                <a16:creationId xmlns:a16="http://schemas.microsoft.com/office/drawing/2014/main" id="{EA26EBAA-879E-FD4E-8827-5AE9E18C1293}"/>
               </a:ext>
             </a:extLst>
           </p:cNvPr>
@@ -4191,43 +4189,7 @@
         </p:blipFill>
         <p:spPr>
           <a:xfrm>
-            <a:off x="1422680" y="3429000"/>
-            <a:ext cx="2743200" cy="2743200"/>
-          </a:xfrm>
-          <a:prstGeom prst="rect">
-            <a:avLst/>
-          </a:prstGeom>
-        </p:spPr>
-      </p:pic>
-      <p:pic>
-        <p:nvPicPr>
-          <p:cNvPr id="13" name="Content Placeholder 9" descr="Trophy with solid fill">
-            <a:extLst>
-              <a:ext uri="{FF2B5EF4-FFF2-40B4-BE49-F238E27FC236}">
-                <a16:creationId xmlns:a16="http://schemas.microsoft.com/office/drawing/2014/main" id="{EA26EBAA-879E-FD4E-8827-5AE9E18C1293}"/>
-              </a:ext>
-            </a:extLst>
-          </p:cNvPr>
-          <p:cNvPicPr>
-            <a:picLocks noChangeAspect="1"/>
-          </p:cNvPicPr>
-          <p:nvPr/>
-        </p:nvPicPr>
-        <p:blipFill>
-          <a:blip r:embed="rId4">
-            <a:extLst>
-              <a:ext uri="{96DAC541-7B7A-43D3-8B79-37D633B846F1}">
-                <asvg:svgBlip xmlns:asvg="http://schemas.microsoft.com/office/drawing/2016/SVG/main" r:embed="rId5"/>
-              </a:ext>
-            </a:extLst>
-          </a:blip>
-          <a:stretch>
-            <a:fillRect/>
-          </a:stretch>
-        </p:blipFill>
-        <p:spPr>
-          <a:xfrm>
-            <a:off x="4724400" y="3429000"/>
+            <a:off x="3073540" y="3429000"/>
             <a:ext cx="2743200" cy="2743200"/>
           </a:xfrm>
           <a:prstGeom prst="rect">
@@ -4263,7 +4225,7 @@
         </p:blipFill>
         <p:spPr>
           <a:xfrm>
-            <a:off x="8026120" y="3429000"/>
+            <a:off x="6375260" y="3429000"/>
             <a:ext cx="2743200" cy="2743200"/>
           </a:xfrm>
           <a:prstGeom prst="rect">
@@ -4375,10 +4337,10 @@
       </p:pic>
       <p:pic>
         <p:nvPicPr>
-          <p:cNvPr id="12" name="Content Placeholder 9" descr="Trophy with solid fill">
-            <a:extLst>
-              <a:ext uri="{FF2B5EF4-FFF2-40B4-BE49-F238E27FC236}">
-                <a16:creationId xmlns:a16="http://schemas.microsoft.com/office/drawing/2014/main" id="{AE19284C-55D4-ED41-99B0-CB46705DACDB}"/>
+          <p:cNvPr id="13" name="Content Placeholder 9" descr="Trophy with solid fill">
+            <a:extLst>
+              <a:ext uri="{FF2B5EF4-FFF2-40B4-BE49-F238E27FC236}">
+                <a16:creationId xmlns:a16="http://schemas.microsoft.com/office/drawing/2014/main" id="{EA26EBAA-879E-FD4E-8827-5AE9E18C1293}"/>
               </a:ext>
             </a:extLst>
           </p:cNvPr>
@@ -4401,43 +4363,7 @@
         </p:blipFill>
         <p:spPr>
           <a:xfrm>
-            <a:off x="1422680" y="3429000"/>
-            <a:ext cx="2743200" cy="2743200"/>
-          </a:xfrm>
-          <a:prstGeom prst="rect">
-            <a:avLst/>
-          </a:prstGeom>
-        </p:spPr>
-      </p:pic>
-      <p:pic>
-        <p:nvPicPr>
-          <p:cNvPr id="13" name="Content Placeholder 9" descr="Trophy with solid fill">
-            <a:extLst>
-              <a:ext uri="{FF2B5EF4-FFF2-40B4-BE49-F238E27FC236}">
-                <a16:creationId xmlns:a16="http://schemas.microsoft.com/office/drawing/2014/main" id="{EA26EBAA-879E-FD4E-8827-5AE9E18C1293}"/>
-              </a:ext>
-            </a:extLst>
-          </p:cNvPr>
-          <p:cNvPicPr>
-            <a:picLocks noChangeAspect="1"/>
-          </p:cNvPicPr>
-          <p:nvPr/>
-        </p:nvPicPr>
-        <p:blipFill>
-          <a:blip r:embed="rId5">
-            <a:extLst>
-              <a:ext uri="{96DAC541-7B7A-43D3-8B79-37D633B846F1}">
-                <asvg:svgBlip xmlns:asvg="http://schemas.microsoft.com/office/drawing/2016/SVG/main" r:embed="rId6"/>
-              </a:ext>
-            </a:extLst>
-          </a:blip>
-          <a:stretch>
-            <a:fillRect/>
-          </a:stretch>
-        </p:blipFill>
-        <p:spPr>
-          <a:xfrm>
-            <a:off x="4724400" y="3429000"/>
+            <a:off x="3073540" y="3429000"/>
             <a:ext cx="2743200" cy="2743200"/>
           </a:xfrm>
           <a:prstGeom prst="rect">
@@ -4473,7 +4399,7 @@
         </p:blipFill>
         <p:spPr>
           <a:xfrm>
-            <a:off x="8026120" y="3429000"/>
+            <a:off x="6375260" y="3429000"/>
             <a:ext cx="2743200" cy="2743200"/>
           </a:xfrm>
           <a:prstGeom prst="rect">
@@ -4484,7 +4410,7 @@
     </p:spTree>
     <p:extLst>
       <p:ext uri="{BB962C8B-B14F-4D97-AF65-F5344CB8AC3E}">
-        <p14:creationId xmlns:p14="http://schemas.microsoft.com/office/powerpoint/2010/main" val="1673573597"/>
+        <p14:creationId xmlns:p14="http://schemas.microsoft.com/office/powerpoint/2010/main" val="1108614173"/>
       </p:ext>
     </p:extLst>
   </p:cSld>
@@ -4585,10 +4511,10 @@
       </p:pic>
       <p:pic>
         <p:nvPicPr>
-          <p:cNvPr id="12" name="Content Placeholder 9" descr="Trophy with solid fill">
-            <a:extLst>
-              <a:ext uri="{FF2B5EF4-FFF2-40B4-BE49-F238E27FC236}">
-                <a16:creationId xmlns:a16="http://schemas.microsoft.com/office/drawing/2014/main" id="{AE19284C-55D4-ED41-99B0-CB46705DACDB}"/>
+          <p:cNvPr id="13" name="Content Placeholder 9" descr="Trophy with solid fill">
+            <a:extLst>
+              <a:ext uri="{FF2B5EF4-FFF2-40B4-BE49-F238E27FC236}">
+                <a16:creationId xmlns:a16="http://schemas.microsoft.com/office/drawing/2014/main" id="{EA26EBAA-879E-FD4E-8827-5AE9E18C1293}"/>
               </a:ext>
             </a:extLst>
           </p:cNvPr>
@@ -4611,43 +4537,7 @@
         </p:blipFill>
         <p:spPr>
           <a:xfrm>
-            <a:off x="1422680" y="3429000"/>
-            <a:ext cx="2743200" cy="2743200"/>
-          </a:xfrm>
-          <a:prstGeom prst="rect">
-            <a:avLst/>
-          </a:prstGeom>
-        </p:spPr>
-      </p:pic>
-      <p:pic>
-        <p:nvPicPr>
-          <p:cNvPr id="13" name="Content Placeholder 9" descr="Trophy with solid fill">
-            <a:extLst>
-              <a:ext uri="{FF2B5EF4-FFF2-40B4-BE49-F238E27FC236}">
-                <a16:creationId xmlns:a16="http://schemas.microsoft.com/office/drawing/2014/main" id="{EA26EBAA-879E-FD4E-8827-5AE9E18C1293}"/>
-              </a:ext>
-            </a:extLst>
-          </p:cNvPr>
-          <p:cNvPicPr>
-            <a:picLocks noChangeAspect="1"/>
-          </p:cNvPicPr>
-          <p:nvPr/>
-        </p:nvPicPr>
-        <p:blipFill>
-          <a:blip r:embed="rId5">
-            <a:extLst>
-              <a:ext uri="{96DAC541-7B7A-43D3-8B79-37D633B846F1}">
-                <asvg:svgBlip xmlns:asvg="http://schemas.microsoft.com/office/drawing/2016/SVG/main" r:embed="rId6"/>
-              </a:ext>
-            </a:extLst>
-          </a:blip>
-          <a:stretch>
-            <a:fillRect/>
-          </a:stretch>
-        </p:blipFill>
-        <p:spPr>
-          <a:xfrm>
-            <a:off x="4724400" y="3429000"/>
+            <a:off x="3073540" y="3429000"/>
             <a:ext cx="2743200" cy="2743200"/>
           </a:xfrm>
           <a:prstGeom prst="rect">
@@ -4683,7 +4573,7 @@
         </p:blipFill>
         <p:spPr>
           <a:xfrm>
-            <a:off x="8026120" y="3429000"/>
+            <a:off x="6375260" y="3429000"/>
             <a:ext cx="2743200" cy="2743200"/>
           </a:xfrm>
           <a:prstGeom prst="rect">
@@ -4694,7 +4584,7 @@
     </p:spTree>
     <p:extLst>
       <p:ext uri="{BB962C8B-B14F-4D97-AF65-F5344CB8AC3E}">
-        <p14:creationId xmlns:p14="http://schemas.microsoft.com/office/powerpoint/2010/main" val="2592782929"/>
+        <p14:creationId xmlns:p14="http://schemas.microsoft.com/office/powerpoint/2010/main" val="1623535382"/>
       </p:ext>
     </p:extLst>
   </p:cSld>
@@ -4795,10 +4685,10 @@
       </p:pic>
       <p:pic>
         <p:nvPicPr>
-          <p:cNvPr id="12" name="Content Placeholder 9" descr="Trophy with solid fill">
-            <a:extLst>
-              <a:ext uri="{FF2B5EF4-FFF2-40B4-BE49-F238E27FC236}">
-                <a16:creationId xmlns:a16="http://schemas.microsoft.com/office/drawing/2014/main" id="{AE19284C-55D4-ED41-99B0-CB46705DACDB}"/>
+          <p:cNvPr id="13" name="Content Placeholder 9" descr="Trophy with solid fill">
+            <a:extLst>
+              <a:ext uri="{FF2B5EF4-FFF2-40B4-BE49-F238E27FC236}">
+                <a16:creationId xmlns:a16="http://schemas.microsoft.com/office/drawing/2014/main" id="{EA26EBAA-879E-FD4E-8827-5AE9E18C1293}"/>
               </a:ext>
             </a:extLst>
           </p:cNvPr>
@@ -4821,43 +4711,7 @@
         </p:blipFill>
         <p:spPr>
           <a:xfrm>
-            <a:off x="1422680" y="3429000"/>
-            <a:ext cx="2743200" cy="2743200"/>
-          </a:xfrm>
-          <a:prstGeom prst="rect">
-            <a:avLst/>
-          </a:prstGeom>
-        </p:spPr>
-      </p:pic>
-      <p:pic>
-        <p:nvPicPr>
-          <p:cNvPr id="13" name="Content Placeholder 9" descr="Trophy with solid fill">
-            <a:extLst>
-              <a:ext uri="{FF2B5EF4-FFF2-40B4-BE49-F238E27FC236}">
-                <a16:creationId xmlns:a16="http://schemas.microsoft.com/office/drawing/2014/main" id="{EA26EBAA-879E-FD4E-8827-5AE9E18C1293}"/>
-              </a:ext>
-            </a:extLst>
-          </p:cNvPr>
-          <p:cNvPicPr>
-            <a:picLocks noChangeAspect="1"/>
-          </p:cNvPicPr>
-          <p:nvPr/>
-        </p:nvPicPr>
-        <p:blipFill>
-          <a:blip r:embed="rId2">
-            <a:extLst>
-              <a:ext uri="{96DAC541-7B7A-43D3-8B79-37D633B846F1}">
-                <asvg:svgBlip xmlns:asvg="http://schemas.microsoft.com/office/drawing/2016/SVG/main" r:embed="rId4"/>
-              </a:ext>
-            </a:extLst>
-          </a:blip>
-          <a:stretch>
-            <a:fillRect/>
-          </a:stretch>
-        </p:blipFill>
-        <p:spPr>
-          <a:xfrm>
-            <a:off x="4724400" y="3429000"/>
+            <a:off x="3073540" y="3429000"/>
             <a:ext cx="2743200" cy="2743200"/>
           </a:xfrm>
           <a:prstGeom prst="rect">
@@ -4880,10 +4734,10 @@
           <p:nvPr/>
         </p:nvPicPr>
         <p:blipFill>
-          <a:blip r:embed="rId5">
+          <a:blip r:embed="rId2">
             <a:extLst>
               <a:ext uri="{96DAC541-7B7A-43D3-8B79-37D633B846F1}">
-                <asvg:svgBlip xmlns:asvg="http://schemas.microsoft.com/office/drawing/2016/SVG/main" r:embed="rId6"/>
+                <asvg:svgBlip xmlns:asvg="http://schemas.microsoft.com/office/drawing/2016/SVG/main" r:embed="rId4"/>
               </a:ext>
             </a:extLst>
           </a:blip>
@@ -4893,7 +4747,7 @@
         </p:blipFill>
         <p:spPr>
           <a:xfrm>
-            <a:off x="8026120" y="3429000"/>
+            <a:off x="6375260" y="3429000"/>
             <a:ext cx="2743200" cy="2743200"/>
           </a:xfrm>
           <a:prstGeom prst="rect">
@@ -4904,7 +4758,7 @@
     </p:spTree>
     <p:extLst>
       <p:ext uri="{BB962C8B-B14F-4D97-AF65-F5344CB8AC3E}">
-        <p14:creationId xmlns:p14="http://schemas.microsoft.com/office/powerpoint/2010/main" val="3780555129"/>
+        <p14:creationId xmlns:p14="http://schemas.microsoft.com/office/powerpoint/2010/main" val="1957740682"/>
       </p:ext>
     </p:extLst>
   </p:cSld>
@@ -4915,413 +4769,6 @@
 </file>
 
 <file path=ppt/slides/slide6.xml><?xml version="1.0" encoding="utf-8"?>
-<p:sld xmlns:a="http://schemas.openxmlformats.org/drawingml/2006/main" xmlns:r="http://schemas.openxmlformats.org/officeDocument/2006/relationships" xmlns:p="http://schemas.openxmlformats.org/presentationml/2006/main">
-  <p:cSld>
-    <p:spTree>
-      <p:nvGrpSpPr>
-        <p:cNvPr id="1" name=""/>
-        <p:cNvGrpSpPr/>
-        <p:nvPr/>
-      </p:nvGrpSpPr>
-      <p:grpSpPr>
-        <a:xfrm>
-          <a:off x="0" y="0"/>
-          <a:ext cx="0" cy="0"/>
-          <a:chOff x="0" y="0"/>
-          <a:chExt cx="0" cy="0"/>
-        </a:xfrm>
-      </p:grpSpPr>
-      <p:pic>
-        <p:nvPicPr>
-          <p:cNvPr id="9" name="Content Placeholder 9" descr="Trophy with solid fill">
-            <a:extLst>
-              <a:ext uri="{FF2B5EF4-FFF2-40B4-BE49-F238E27FC236}">
-                <a16:creationId xmlns:a16="http://schemas.microsoft.com/office/drawing/2014/main" id="{35FFA54C-B740-2245-A209-C6BF6A4D59F4}"/>
-              </a:ext>
-            </a:extLst>
-          </p:cNvPr>
-          <p:cNvPicPr>
-            <a:picLocks noChangeAspect="1"/>
-          </p:cNvPicPr>
-          <p:nvPr/>
-        </p:nvPicPr>
-        <p:blipFill>
-          <a:blip r:embed="rId2">
-            <a:extLst>
-              <a:ext uri="{96DAC541-7B7A-43D3-8B79-37D633B846F1}">
-                <asvg:svgBlip xmlns:asvg="http://schemas.microsoft.com/office/drawing/2016/SVG/main" r:embed="rId3"/>
-              </a:ext>
-            </a:extLst>
-          </a:blip>
-          <a:stretch>
-            <a:fillRect/>
-          </a:stretch>
-        </p:blipFill>
-        <p:spPr>
-          <a:xfrm>
-            <a:off x="3073540" y="319579"/>
-            <a:ext cx="2743200" cy="2743200"/>
-          </a:xfrm>
-          <a:prstGeom prst="rect">
-            <a:avLst/>
-          </a:prstGeom>
-        </p:spPr>
-      </p:pic>
-      <p:pic>
-        <p:nvPicPr>
-          <p:cNvPr id="11" name="Content Placeholder 9" descr="Trophy with solid fill">
-            <a:extLst>
-              <a:ext uri="{FF2B5EF4-FFF2-40B4-BE49-F238E27FC236}">
-                <a16:creationId xmlns:a16="http://schemas.microsoft.com/office/drawing/2014/main" id="{6E7F89E6-FDC5-5148-BDFD-90EC1179E72B}"/>
-              </a:ext>
-            </a:extLst>
-          </p:cNvPr>
-          <p:cNvPicPr>
-            <a:picLocks noChangeAspect="1"/>
-          </p:cNvPicPr>
-          <p:nvPr/>
-        </p:nvPicPr>
-        <p:blipFill>
-          <a:blip r:embed="rId2">
-            <a:extLst>
-              <a:ext uri="{96DAC541-7B7A-43D3-8B79-37D633B846F1}">
-                <asvg:svgBlip xmlns:asvg="http://schemas.microsoft.com/office/drawing/2016/SVG/main" r:embed="rId4"/>
-              </a:ext>
-            </a:extLst>
-          </a:blip>
-          <a:stretch>
-            <a:fillRect/>
-          </a:stretch>
-        </p:blipFill>
-        <p:spPr>
-          <a:xfrm>
-            <a:off x="6375260" y="319579"/>
-            <a:ext cx="2743200" cy="2743200"/>
-          </a:xfrm>
-          <a:prstGeom prst="rect">
-            <a:avLst/>
-          </a:prstGeom>
-        </p:spPr>
-      </p:pic>
-      <p:pic>
-        <p:nvPicPr>
-          <p:cNvPr id="12" name="Content Placeholder 9" descr="Trophy with solid fill">
-            <a:extLst>
-              <a:ext uri="{FF2B5EF4-FFF2-40B4-BE49-F238E27FC236}">
-                <a16:creationId xmlns:a16="http://schemas.microsoft.com/office/drawing/2014/main" id="{AE19284C-55D4-ED41-99B0-CB46705DACDB}"/>
-              </a:ext>
-            </a:extLst>
-          </p:cNvPr>
-          <p:cNvPicPr>
-            <a:picLocks noChangeAspect="1"/>
-          </p:cNvPicPr>
-          <p:nvPr/>
-        </p:nvPicPr>
-        <p:blipFill>
-          <a:blip r:embed="rId2">
-            <a:extLst>
-              <a:ext uri="{96DAC541-7B7A-43D3-8B79-37D633B846F1}">
-                <asvg:svgBlip xmlns:asvg="http://schemas.microsoft.com/office/drawing/2016/SVG/main" r:embed="rId4"/>
-              </a:ext>
-            </a:extLst>
-          </a:blip>
-          <a:stretch>
-            <a:fillRect/>
-          </a:stretch>
-        </p:blipFill>
-        <p:spPr>
-          <a:xfrm>
-            <a:off x="1422680" y="3429000"/>
-            <a:ext cx="2743200" cy="2743200"/>
-          </a:xfrm>
-          <a:prstGeom prst="rect">
-            <a:avLst/>
-          </a:prstGeom>
-        </p:spPr>
-      </p:pic>
-      <p:pic>
-        <p:nvPicPr>
-          <p:cNvPr id="13" name="Content Placeholder 9" descr="Trophy with solid fill">
-            <a:extLst>
-              <a:ext uri="{FF2B5EF4-FFF2-40B4-BE49-F238E27FC236}">
-                <a16:creationId xmlns:a16="http://schemas.microsoft.com/office/drawing/2014/main" id="{EA26EBAA-879E-FD4E-8827-5AE9E18C1293}"/>
-              </a:ext>
-            </a:extLst>
-          </p:cNvPr>
-          <p:cNvPicPr>
-            <a:picLocks noChangeAspect="1"/>
-          </p:cNvPicPr>
-          <p:nvPr/>
-        </p:nvPicPr>
-        <p:blipFill>
-          <a:blip r:embed="rId2">
-            <a:extLst>
-              <a:ext uri="{96DAC541-7B7A-43D3-8B79-37D633B846F1}">
-                <asvg:svgBlip xmlns:asvg="http://schemas.microsoft.com/office/drawing/2016/SVG/main" r:embed="rId4"/>
-              </a:ext>
-            </a:extLst>
-          </a:blip>
-          <a:stretch>
-            <a:fillRect/>
-          </a:stretch>
-        </p:blipFill>
-        <p:spPr>
-          <a:xfrm>
-            <a:off x="4724400" y="3429000"/>
-            <a:ext cx="2743200" cy="2743200"/>
-          </a:xfrm>
-          <a:prstGeom prst="rect">
-            <a:avLst/>
-          </a:prstGeom>
-        </p:spPr>
-      </p:pic>
-      <p:pic>
-        <p:nvPicPr>
-          <p:cNvPr id="4" name="Content Placeholder 9" descr="Trophy with solid fill">
-            <a:extLst>
-              <a:ext uri="{FF2B5EF4-FFF2-40B4-BE49-F238E27FC236}">
-                <a16:creationId xmlns:a16="http://schemas.microsoft.com/office/drawing/2014/main" id="{CB532578-329E-1381-B263-AD0687F6E1DA}"/>
-              </a:ext>
-            </a:extLst>
-          </p:cNvPr>
-          <p:cNvPicPr>
-            <a:picLocks noChangeAspect="1"/>
-          </p:cNvPicPr>
-          <p:nvPr/>
-        </p:nvPicPr>
-        <p:blipFill>
-          <a:blip r:embed="rId2">
-            <a:extLst>
-              <a:ext uri="{96DAC541-7B7A-43D3-8B79-37D633B846F1}">
-                <asvg:svgBlip xmlns:asvg="http://schemas.microsoft.com/office/drawing/2016/SVG/main" r:embed="rId4"/>
-              </a:ext>
-            </a:extLst>
-          </a:blip>
-          <a:stretch>
-            <a:fillRect/>
-          </a:stretch>
-        </p:blipFill>
-        <p:spPr>
-          <a:xfrm>
-            <a:off x="8026120" y="3429000"/>
-            <a:ext cx="2743200" cy="2743200"/>
-          </a:xfrm>
-          <a:prstGeom prst="rect">
-            <a:avLst/>
-          </a:prstGeom>
-        </p:spPr>
-      </p:pic>
-    </p:spTree>
-    <p:extLst>
-      <p:ext uri="{BB962C8B-B14F-4D97-AF65-F5344CB8AC3E}">
-        <p14:creationId xmlns:p14="http://schemas.microsoft.com/office/powerpoint/2010/main" val="1298514247"/>
-      </p:ext>
-    </p:extLst>
-  </p:cSld>
-  <p:clrMapOvr>
-    <a:masterClrMapping/>
-  </p:clrMapOvr>
-</p:sld>
-</file>
-
-<file path=ppt/slides/slide7.xml><?xml version="1.0" encoding="utf-8"?>
-<p:sld xmlns:a="http://schemas.openxmlformats.org/drawingml/2006/main" xmlns:r="http://schemas.openxmlformats.org/officeDocument/2006/relationships" xmlns:p="http://schemas.openxmlformats.org/presentationml/2006/main">
-  <p:cSld>
-    <p:spTree>
-      <p:nvGrpSpPr>
-        <p:cNvPr id="1" name=""/>
-        <p:cNvGrpSpPr/>
-        <p:nvPr/>
-      </p:nvGrpSpPr>
-      <p:grpSpPr>
-        <a:xfrm>
-          <a:off x="0" y="0"/>
-          <a:ext cx="0" cy="0"/>
-          <a:chOff x="0" y="0"/>
-          <a:chExt cx="0" cy="0"/>
-        </a:xfrm>
-      </p:grpSpPr>
-      <p:pic>
-        <p:nvPicPr>
-          <p:cNvPr id="2" name="Picture 2" descr="Free Stick Figures Family vector and picture">
-            <a:extLst>
-              <a:ext uri="{FF2B5EF4-FFF2-40B4-BE49-F238E27FC236}">
-                <a16:creationId xmlns:a16="http://schemas.microsoft.com/office/drawing/2014/main" id="{31ACC949-7637-22D8-7F65-ACC1EA813B96}"/>
-              </a:ext>
-            </a:extLst>
-          </p:cNvPr>
-          <p:cNvPicPr>
-            <a:picLocks noChangeAspect="1" noChangeArrowheads="1"/>
-          </p:cNvPicPr>
-          <p:nvPr/>
-        </p:nvPicPr>
-        <p:blipFill rotWithShape="1">
-          <a:blip r:embed="rId2">
-            <a:extLst>
-              <a:ext uri="{28A0092B-C50C-407E-A947-70E740481C1C}">
-                <a14:useLocalDpi xmlns:a14="http://schemas.microsoft.com/office/drawing/2010/main" val="0"/>
-              </a:ext>
-            </a:extLst>
-          </a:blip>
-          <a:srcRect l="-1946" t="-278" r="78883" b="278"/>
-          <a:stretch/>
-        </p:blipFill>
-        <p:spPr bwMode="auto">
-          <a:xfrm>
-            <a:off x="2031991" y="962561"/>
-            <a:ext cx="1969984" cy="4270829"/>
-          </a:xfrm>
-          <a:prstGeom prst="rect">
-            <a:avLst/>
-          </a:prstGeom>
-          <a:noFill/>
-          <a:extLst>
-            <a:ext uri="{909E8E84-426E-40DD-AFC4-6F175D3DCCD1}">
-              <a14:hiddenFill xmlns:a14="http://schemas.microsoft.com/office/drawing/2010/main">
-                <a:solidFill>
-                  <a:srgbClr val="FFFFFF"/>
-                </a:solidFill>
-              </a14:hiddenFill>
-            </a:ext>
-          </a:extLst>
-        </p:spPr>
-      </p:pic>
-      <p:pic>
-        <p:nvPicPr>
-          <p:cNvPr id="3" name="Picture 2" descr="Free Stick Figures Family vector and picture">
-            <a:extLst>
-              <a:ext uri="{FF2B5EF4-FFF2-40B4-BE49-F238E27FC236}">
-                <a16:creationId xmlns:a16="http://schemas.microsoft.com/office/drawing/2014/main" id="{FB508787-FF57-3C30-4A5A-974F6BC6A98F}"/>
-              </a:ext>
-            </a:extLst>
-          </p:cNvPr>
-          <p:cNvPicPr>
-            <a:picLocks noChangeAspect="1" noChangeArrowheads="1"/>
-          </p:cNvPicPr>
-          <p:nvPr/>
-        </p:nvPicPr>
-        <p:blipFill rotWithShape="1">
-          <a:blip r:embed="rId2">
-            <a:extLst>
-              <a:ext uri="{28A0092B-C50C-407E-A947-70E740481C1C}">
-                <a14:useLocalDpi xmlns:a14="http://schemas.microsoft.com/office/drawing/2010/main" val="0"/>
-              </a:ext>
-            </a:extLst>
-          </a:blip>
-          <a:srcRect l="-1946" t="-278" r="78883" b="278"/>
-          <a:stretch/>
-        </p:blipFill>
-        <p:spPr bwMode="auto">
-          <a:xfrm>
-            <a:off x="4642598" y="986312"/>
-            <a:ext cx="1969984" cy="4270829"/>
-          </a:xfrm>
-          <a:prstGeom prst="rect">
-            <a:avLst/>
-          </a:prstGeom>
-          <a:noFill/>
-          <a:extLst>
-            <a:ext uri="{909E8E84-426E-40DD-AFC4-6F175D3DCCD1}">
-              <a14:hiddenFill xmlns:a14="http://schemas.microsoft.com/office/drawing/2010/main">
-                <a:solidFill>
-                  <a:srgbClr val="FFFFFF"/>
-                </a:solidFill>
-              </a14:hiddenFill>
-            </a:ext>
-          </a:extLst>
-        </p:spPr>
-      </p:pic>
-      <p:pic>
-        <p:nvPicPr>
-          <p:cNvPr id="4" name="Picture 8" descr="Free Frame Ecommerce illustration and picture">
-            <a:extLst>
-              <a:ext uri="{FF2B5EF4-FFF2-40B4-BE49-F238E27FC236}">
-                <a16:creationId xmlns:a16="http://schemas.microsoft.com/office/drawing/2014/main" id="{026F98BD-1A85-20ED-48EA-FD22191955C1}"/>
-              </a:ext>
-            </a:extLst>
-          </p:cNvPr>
-          <p:cNvPicPr>
-            <a:picLocks noChangeAspect="1" noChangeArrowheads="1"/>
-          </p:cNvPicPr>
-          <p:nvPr/>
-        </p:nvPicPr>
-        <p:blipFill>
-          <a:blip r:embed="rId3">
-            <a:extLst>
-              <a:ext uri="{28A0092B-C50C-407E-A947-70E740481C1C}">
-                <a14:useLocalDpi xmlns:a14="http://schemas.microsoft.com/office/drawing/2010/main" val="0"/>
-              </a:ext>
-            </a:extLst>
-          </a:blip>
-          <a:srcRect/>
-          <a:stretch>
-            <a:fillRect/>
-          </a:stretch>
-        </p:blipFill>
-        <p:spPr bwMode="auto">
-          <a:xfrm>
-            <a:off x="1886857" y="245003"/>
-            <a:ext cx="4677559" cy="6209913"/>
-          </a:xfrm>
-          <a:prstGeom prst="rect">
-            <a:avLst/>
-          </a:prstGeom>
-          <a:noFill/>
-          <a:extLst>
-            <a:ext uri="{909E8E84-426E-40DD-AFC4-6F175D3DCCD1}">
-              <a14:hiddenFill xmlns:a14="http://schemas.microsoft.com/office/drawing/2010/main">
-                <a:solidFill>
-                  <a:srgbClr val="FFFFFF"/>
-                </a:solidFill>
-              </a14:hiddenFill>
-            </a:ext>
-          </a:extLst>
-        </p:spPr>
-      </p:pic>
-      <p:pic>
-        <p:nvPicPr>
-          <p:cNvPr id="5" name="Picture 4">
-            <a:extLst>
-              <a:ext uri="{FF2B5EF4-FFF2-40B4-BE49-F238E27FC236}">
-                <a16:creationId xmlns:a16="http://schemas.microsoft.com/office/drawing/2014/main" id="{F0C344C2-6CF6-A221-3A8E-A5FA1B499B70}"/>
-              </a:ext>
-            </a:extLst>
-          </p:cNvPr>
-          <p:cNvPicPr>
-            <a:picLocks noChangeAspect="1"/>
-          </p:cNvPicPr>
-          <p:nvPr/>
-        </p:nvPicPr>
-        <p:blipFill>
-          <a:blip r:embed="rId4"/>
-          <a:stretch>
-            <a:fillRect/>
-          </a:stretch>
-        </p:blipFill>
-        <p:spPr>
-          <a:xfrm>
-            <a:off x="2992285" y="1959428"/>
-            <a:ext cx="2565824" cy="3633025"/>
-          </a:xfrm>
-          <a:prstGeom prst="rect">
-            <a:avLst/>
-          </a:prstGeom>
-        </p:spPr>
-      </p:pic>
-    </p:spTree>
-    <p:extLst>
-      <p:ext uri="{BB962C8B-B14F-4D97-AF65-F5344CB8AC3E}">
-        <p14:creationId xmlns:p14="http://schemas.microsoft.com/office/powerpoint/2010/main" val="163301638"/>
-      </p:ext>
-    </p:extLst>
-  </p:cSld>
-  <p:clrMapOvr>
-    <a:masterClrMapping/>
-  </p:clrMapOvr>
-</p:sld>
-</file>
-
-<file path=ppt/slides/slide8.xml><?xml version="1.0" encoding="utf-8"?>
 <p:sld xmlns:a="http://schemas.openxmlformats.org/drawingml/2006/main" xmlns:r="http://schemas.openxmlformats.org/officeDocument/2006/relationships" xmlns:p="http://schemas.openxmlformats.org/presentationml/2006/main">
   <p:cSld>
     <p:spTree>

--- a/Slides/stills.pptx
+++ b/Slides/stills.pptx
@@ -11,6 +11,8 @@
     <p:sldId id="283" r:id="rId5"/>
     <p:sldId id="284" r:id="rId6"/>
     <p:sldId id="281" r:id="rId7"/>
+    <p:sldId id="285" r:id="rId8"/>
+    <p:sldId id="286" r:id="rId9"/>
   </p:sldIdLst>
   <p:sldSz cx="12192000" cy="6858000"/>
   <p:notesSz cx="6858000" cy="9144000"/>
@@ -275,7 +277,7 @@
           <a:p>
             <a:fld id="{1C4588B7-AB7C-C348-BDC9-E184859105BC}" type="datetimeFigureOut">
               <a:rPr lang="en-US" smtClean="0"/>
-              <a:t>3/7/24</a:t>
+              <a:t>4/10/24</a:t>
             </a:fld>
             <a:endParaRPr lang="en-US"/>
           </a:p>
@@ -473,7 +475,7 @@
           <a:p>
             <a:fld id="{1C4588B7-AB7C-C348-BDC9-E184859105BC}" type="datetimeFigureOut">
               <a:rPr lang="en-US" smtClean="0"/>
-              <a:t>3/7/24</a:t>
+              <a:t>4/10/24</a:t>
             </a:fld>
             <a:endParaRPr lang="en-US"/>
           </a:p>
@@ -681,7 +683,7 @@
           <a:p>
             <a:fld id="{1C4588B7-AB7C-C348-BDC9-E184859105BC}" type="datetimeFigureOut">
               <a:rPr lang="en-US" smtClean="0"/>
-              <a:t>3/7/24</a:t>
+              <a:t>4/10/24</a:t>
             </a:fld>
             <a:endParaRPr lang="en-US"/>
           </a:p>
@@ -879,7 +881,7 @@
           <a:p>
             <a:fld id="{1C4588B7-AB7C-C348-BDC9-E184859105BC}" type="datetimeFigureOut">
               <a:rPr lang="en-US" smtClean="0"/>
-              <a:t>3/7/24</a:t>
+              <a:t>4/10/24</a:t>
             </a:fld>
             <a:endParaRPr lang="en-US"/>
           </a:p>
@@ -1154,7 +1156,7 @@
           <a:p>
             <a:fld id="{1C4588B7-AB7C-C348-BDC9-E184859105BC}" type="datetimeFigureOut">
               <a:rPr lang="en-US" smtClean="0"/>
-              <a:t>3/7/24</a:t>
+              <a:t>4/10/24</a:t>
             </a:fld>
             <a:endParaRPr lang="en-US"/>
           </a:p>
@@ -1419,7 +1421,7 @@
           <a:p>
             <a:fld id="{1C4588B7-AB7C-C348-BDC9-E184859105BC}" type="datetimeFigureOut">
               <a:rPr lang="en-US" smtClean="0"/>
-              <a:t>3/7/24</a:t>
+              <a:t>4/10/24</a:t>
             </a:fld>
             <a:endParaRPr lang="en-US"/>
           </a:p>
@@ -1831,7 +1833,7 @@
           <a:p>
             <a:fld id="{1C4588B7-AB7C-C348-BDC9-E184859105BC}" type="datetimeFigureOut">
               <a:rPr lang="en-US" smtClean="0"/>
-              <a:t>3/7/24</a:t>
+              <a:t>4/10/24</a:t>
             </a:fld>
             <a:endParaRPr lang="en-US"/>
           </a:p>
@@ -1972,7 +1974,7 @@
           <a:p>
             <a:fld id="{1C4588B7-AB7C-C348-BDC9-E184859105BC}" type="datetimeFigureOut">
               <a:rPr lang="en-US" smtClean="0"/>
-              <a:t>3/7/24</a:t>
+              <a:t>4/10/24</a:t>
             </a:fld>
             <a:endParaRPr lang="en-US"/>
           </a:p>
@@ -2085,7 +2087,7 @@
           <a:p>
             <a:fld id="{1C4588B7-AB7C-C348-BDC9-E184859105BC}" type="datetimeFigureOut">
               <a:rPr lang="en-US" smtClean="0"/>
-              <a:t>3/7/24</a:t>
+              <a:t>4/10/24</a:t>
             </a:fld>
             <a:endParaRPr lang="en-US"/>
           </a:p>
@@ -2396,7 +2398,7 @@
           <a:p>
             <a:fld id="{1C4588B7-AB7C-C348-BDC9-E184859105BC}" type="datetimeFigureOut">
               <a:rPr lang="en-US" smtClean="0"/>
-              <a:t>3/7/24</a:t>
+              <a:t>4/10/24</a:t>
             </a:fld>
             <a:endParaRPr lang="en-US"/>
           </a:p>
@@ -2684,7 +2686,7 @@
           <a:p>
             <a:fld id="{1C4588B7-AB7C-C348-BDC9-E184859105BC}" type="datetimeFigureOut">
               <a:rPr lang="en-US" smtClean="0"/>
-              <a:t>3/7/24</a:t>
+              <a:t>4/10/24</a:t>
             </a:fld>
             <a:endParaRPr lang="en-US"/>
           </a:p>
@@ -2925,7 +2927,7 @@
           <a:p>
             <a:fld id="{1C4588B7-AB7C-C348-BDC9-E184859105BC}" type="datetimeFigureOut">
               <a:rPr lang="en-US" smtClean="0"/>
-              <a:t>3/7/24</a:t>
+              <a:t>4/10/24</a:t>
             </a:fld>
             <a:endParaRPr lang="en-US"/>
           </a:p>
@@ -5014,6 +5016,207 @@
 </p:sld>
 </file>
 
+<file path=ppt/slides/slide7.xml><?xml version="1.0" encoding="utf-8"?>
+<p:sld xmlns:a="http://schemas.openxmlformats.org/drawingml/2006/main" xmlns:r="http://schemas.openxmlformats.org/officeDocument/2006/relationships" xmlns:p="http://schemas.openxmlformats.org/presentationml/2006/main">
+  <p:cSld>
+    <p:spTree>
+      <p:nvGrpSpPr>
+        <p:cNvPr id="1" name=""/>
+        <p:cNvGrpSpPr/>
+        <p:nvPr/>
+      </p:nvGrpSpPr>
+      <p:grpSpPr>
+        <a:xfrm>
+          <a:off x="0" y="0"/>
+          <a:ext cx="0" cy="0"/>
+          <a:chOff x="0" y="0"/>
+          <a:chExt cx="0" cy="0"/>
+        </a:xfrm>
+      </p:grpSpPr>
+      <p:grpSp>
+        <p:nvGrpSpPr>
+          <p:cNvPr id="7" name="Group 6">
+            <a:extLst>
+              <a:ext uri="{FF2B5EF4-FFF2-40B4-BE49-F238E27FC236}">
+                <a16:creationId xmlns:a16="http://schemas.microsoft.com/office/drawing/2014/main" id="{372F377F-3C38-1E56-5AE1-FB95AD1C37E7}"/>
+              </a:ext>
+            </a:extLst>
+          </p:cNvPr>
+          <p:cNvGrpSpPr/>
+          <p:nvPr/>
+        </p:nvGrpSpPr>
+        <p:grpSpPr>
+          <a:xfrm>
+            <a:off x="468419" y="889000"/>
+            <a:ext cx="11255163" cy="5080000"/>
+            <a:chOff x="492170" y="889000"/>
+            <a:chExt cx="11255163" cy="5080000"/>
+          </a:xfrm>
+        </p:grpSpPr>
+        <p:pic>
+          <p:nvPicPr>
+            <p:cNvPr id="3" name="Picture 2" descr="A cartoon character with a speech bubble&#10;&#10;Description automatically generated with medium confidence">
+              <a:extLst>
+                <a:ext uri="{FF2B5EF4-FFF2-40B4-BE49-F238E27FC236}">
+                  <a16:creationId xmlns:a16="http://schemas.microsoft.com/office/drawing/2014/main" id="{8986C881-641B-DF08-C108-343545FE4EF2}"/>
+                </a:ext>
+              </a:extLst>
+            </p:cNvPr>
+            <p:cNvPicPr>
+              <a:picLocks noChangeAspect="1"/>
+            </p:cNvPicPr>
+            <p:nvPr/>
+          </p:nvPicPr>
+          <p:blipFill>
+            <a:blip r:embed="rId2"/>
+            <a:stretch>
+              <a:fillRect/>
+            </a:stretch>
+          </p:blipFill>
+          <p:spPr>
+            <a:xfrm>
+              <a:off x="492170" y="889000"/>
+              <a:ext cx="5080000" cy="5080000"/>
+            </a:xfrm>
+            <a:prstGeom prst="rect">
+              <a:avLst/>
+            </a:prstGeom>
+          </p:spPr>
+        </p:pic>
+        <p:pic>
+          <p:nvPicPr>
+            <p:cNvPr id="6" name="Picture 5" descr="A cartoon characters with a speech bubble&#10;&#10;Description automatically generated">
+              <a:extLst>
+                <a:ext uri="{FF2B5EF4-FFF2-40B4-BE49-F238E27FC236}">
+                  <a16:creationId xmlns:a16="http://schemas.microsoft.com/office/drawing/2014/main" id="{61BF4616-2380-72EC-CF55-A4E86DE2AC17}"/>
+                </a:ext>
+              </a:extLst>
+            </p:cNvPr>
+            <p:cNvPicPr>
+              <a:picLocks noChangeAspect="1"/>
+            </p:cNvPicPr>
+            <p:nvPr/>
+          </p:nvPicPr>
+          <p:blipFill>
+            <a:blip r:embed="rId3"/>
+            <a:stretch>
+              <a:fillRect/>
+            </a:stretch>
+          </p:blipFill>
+          <p:spPr>
+            <a:xfrm>
+              <a:off x="6667333" y="889000"/>
+              <a:ext cx="5080000" cy="5080000"/>
+            </a:xfrm>
+            <a:prstGeom prst="rect">
+              <a:avLst/>
+            </a:prstGeom>
+          </p:spPr>
+        </p:pic>
+      </p:grpSp>
+    </p:spTree>
+    <p:extLst>
+      <p:ext uri="{BB962C8B-B14F-4D97-AF65-F5344CB8AC3E}">
+        <p14:creationId xmlns:p14="http://schemas.microsoft.com/office/powerpoint/2010/main" val="4131552478"/>
+      </p:ext>
+    </p:extLst>
+  </p:cSld>
+  <p:clrMapOvr>
+    <a:masterClrMapping/>
+  </p:clrMapOvr>
+</p:sld>
+</file>
+
+<file path=ppt/slides/slide8.xml><?xml version="1.0" encoding="utf-8"?>
+<p:sld xmlns:a="http://schemas.openxmlformats.org/drawingml/2006/main" xmlns:r="http://schemas.openxmlformats.org/officeDocument/2006/relationships" xmlns:p="http://schemas.openxmlformats.org/presentationml/2006/main">
+  <p:cSld>
+    <p:spTree>
+      <p:nvGrpSpPr>
+        <p:cNvPr id="1" name=""/>
+        <p:cNvGrpSpPr/>
+        <p:nvPr/>
+      </p:nvGrpSpPr>
+      <p:grpSpPr>
+        <a:xfrm>
+          <a:off x="0" y="0"/>
+          <a:ext cx="0" cy="0"/>
+          <a:chOff x="0" y="0"/>
+          <a:chExt cx="0" cy="0"/>
+        </a:xfrm>
+      </p:grpSpPr>
+      <p:pic>
+        <p:nvPicPr>
+          <p:cNvPr id="3" name="Picture 2" descr="A cartoon character with a speech bubble&#10;&#10;Description automatically generated with medium confidence">
+            <a:extLst>
+              <a:ext uri="{FF2B5EF4-FFF2-40B4-BE49-F238E27FC236}">
+                <a16:creationId xmlns:a16="http://schemas.microsoft.com/office/drawing/2014/main" id="{8986C881-641B-DF08-C108-343545FE4EF2}"/>
+              </a:ext>
+            </a:extLst>
+          </p:cNvPr>
+          <p:cNvPicPr>
+            <a:picLocks noChangeAspect="1"/>
+          </p:cNvPicPr>
+          <p:nvPr/>
+        </p:nvPicPr>
+        <p:blipFill>
+          <a:blip r:embed="rId2"/>
+          <a:stretch>
+            <a:fillRect/>
+          </a:stretch>
+        </p:blipFill>
+        <p:spPr>
+          <a:xfrm>
+            <a:off x="468419" y="889000"/>
+            <a:ext cx="5080000" cy="5080000"/>
+          </a:xfrm>
+          <a:prstGeom prst="rect">
+            <a:avLst/>
+          </a:prstGeom>
+        </p:spPr>
+      </p:pic>
+      <p:pic>
+        <p:nvPicPr>
+          <p:cNvPr id="10" name="Picture 9" descr="A cartoon characters with a speech bubble&#10;&#10;Description automatically generated">
+            <a:extLst>
+              <a:ext uri="{FF2B5EF4-FFF2-40B4-BE49-F238E27FC236}">
+                <a16:creationId xmlns:a16="http://schemas.microsoft.com/office/drawing/2014/main" id="{06A3530F-D3A7-9CE3-940D-2BAFE74A1344}"/>
+              </a:ext>
+            </a:extLst>
+          </p:cNvPr>
+          <p:cNvPicPr>
+            <a:picLocks noChangeAspect="1"/>
+          </p:cNvPicPr>
+          <p:nvPr/>
+        </p:nvPicPr>
+        <p:blipFill>
+          <a:blip r:embed="rId3"/>
+          <a:stretch>
+            <a:fillRect/>
+          </a:stretch>
+        </p:blipFill>
+        <p:spPr>
+          <a:xfrm>
+            <a:off x="6655457" y="889000"/>
+            <a:ext cx="5080000" cy="5080000"/>
+          </a:xfrm>
+          <a:prstGeom prst="rect">
+            <a:avLst/>
+          </a:prstGeom>
+        </p:spPr>
+      </p:pic>
+    </p:spTree>
+    <p:extLst>
+      <p:ext uri="{BB962C8B-B14F-4D97-AF65-F5344CB8AC3E}">
+        <p14:creationId xmlns:p14="http://schemas.microsoft.com/office/powerpoint/2010/main" val="969324496"/>
+      </p:ext>
+    </p:extLst>
+  </p:cSld>
+  <p:clrMapOvr>
+    <a:masterClrMapping/>
+  </p:clrMapOvr>
+</p:sld>
+</file>
+
 <file path=ppt/theme/theme1.xml><?xml version="1.0" encoding="utf-8"?>
 <a:theme xmlns:a="http://schemas.openxmlformats.org/drawingml/2006/main" name="Office Theme">
   <a:themeElements>

--- a/Slides/stills.pptx
+++ b/Slides/stills.pptx
@@ -10,8 +10,8 @@
     <p:sldId id="282" r:id="rId4"/>
     <p:sldId id="283" r:id="rId5"/>
     <p:sldId id="284" r:id="rId6"/>
-    <p:sldId id="281" r:id="rId7"/>
-    <p:sldId id="285" r:id="rId8"/>
+    <p:sldId id="285" r:id="rId7"/>
+    <p:sldId id="281" r:id="rId8"/>
     <p:sldId id="286" r:id="rId9"/>
   </p:sldIdLst>
   <p:sldSz cx="12192000" cy="6858000"/>
@@ -119,7 +119,7 @@
             <a:srgbClr val="A4A3A4"/>
           </p15:clr>
         </p15:guide>
-        <p15:guide id="2" pos="3840" userDrawn="1">
+        <p15:guide id="2" pos="3816" userDrawn="1">
           <p15:clr>
             <a:srgbClr val="A4A3A4"/>
           </p15:clr>
@@ -277,7 +277,7 @@
           <a:p>
             <a:fld id="{1C4588B7-AB7C-C348-BDC9-E184859105BC}" type="datetimeFigureOut">
               <a:rPr lang="en-US" smtClean="0"/>
-              <a:t>4/10/24</a:t>
+              <a:t>6/19/24</a:t>
             </a:fld>
             <a:endParaRPr lang="en-US"/>
           </a:p>
@@ -475,7 +475,7 @@
           <a:p>
             <a:fld id="{1C4588B7-AB7C-C348-BDC9-E184859105BC}" type="datetimeFigureOut">
               <a:rPr lang="en-US" smtClean="0"/>
-              <a:t>4/10/24</a:t>
+              <a:t>6/19/24</a:t>
             </a:fld>
             <a:endParaRPr lang="en-US"/>
           </a:p>
@@ -683,7 +683,7 @@
           <a:p>
             <a:fld id="{1C4588B7-AB7C-C348-BDC9-E184859105BC}" type="datetimeFigureOut">
               <a:rPr lang="en-US" smtClean="0"/>
-              <a:t>4/10/24</a:t>
+              <a:t>6/19/24</a:t>
             </a:fld>
             <a:endParaRPr lang="en-US"/>
           </a:p>
@@ -881,7 +881,7 @@
           <a:p>
             <a:fld id="{1C4588B7-AB7C-C348-BDC9-E184859105BC}" type="datetimeFigureOut">
               <a:rPr lang="en-US" smtClean="0"/>
-              <a:t>4/10/24</a:t>
+              <a:t>6/19/24</a:t>
             </a:fld>
             <a:endParaRPr lang="en-US"/>
           </a:p>
@@ -1156,7 +1156,7 @@
           <a:p>
             <a:fld id="{1C4588B7-AB7C-C348-BDC9-E184859105BC}" type="datetimeFigureOut">
               <a:rPr lang="en-US" smtClean="0"/>
-              <a:t>4/10/24</a:t>
+              <a:t>6/19/24</a:t>
             </a:fld>
             <a:endParaRPr lang="en-US"/>
           </a:p>
@@ -1421,7 +1421,7 @@
           <a:p>
             <a:fld id="{1C4588B7-AB7C-C348-BDC9-E184859105BC}" type="datetimeFigureOut">
               <a:rPr lang="en-US" smtClean="0"/>
-              <a:t>4/10/24</a:t>
+              <a:t>6/19/24</a:t>
             </a:fld>
             <a:endParaRPr lang="en-US"/>
           </a:p>
@@ -1833,7 +1833,7 @@
           <a:p>
             <a:fld id="{1C4588B7-AB7C-C348-BDC9-E184859105BC}" type="datetimeFigureOut">
               <a:rPr lang="en-US" smtClean="0"/>
-              <a:t>4/10/24</a:t>
+              <a:t>6/19/24</a:t>
             </a:fld>
             <a:endParaRPr lang="en-US"/>
           </a:p>
@@ -1974,7 +1974,7 @@
           <a:p>
             <a:fld id="{1C4588B7-AB7C-C348-BDC9-E184859105BC}" type="datetimeFigureOut">
               <a:rPr lang="en-US" smtClean="0"/>
-              <a:t>4/10/24</a:t>
+              <a:t>6/19/24</a:t>
             </a:fld>
             <a:endParaRPr lang="en-US"/>
           </a:p>
@@ -2087,7 +2087,7 @@
           <a:p>
             <a:fld id="{1C4588B7-AB7C-C348-BDC9-E184859105BC}" type="datetimeFigureOut">
               <a:rPr lang="en-US" smtClean="0"/>
-              <a:t>4/10/24</a:t>
+              <a:t>6/19/24</a:t>
             </a:fld>
             <a:endParaRPr lang="en-US"/>
           </a:p>
@@ -2398,7 +2398,7 @@
           <a:p>
             <a:fld id="{1C4588B7-AB7C-C348-BDC9-E184859105BC}" type="datetimeFigureOut">
               <a:rPr lang="en-US" smtClean="0"/>
-              <a:t>4/10/24</a:t>
+              <a:t>6/19/24</a:t>
             </a:fld>
             <a:endParaRPr lang="en-US"/>
           </a:p>
@@ -2686,7 +2686,7 @@
           <a:p>
             <a:fld id="{1C4588B7-AB7C-C348-BDC9-E184859105BC}" type="datetimeFigureOut">
               <a:rPr lang="en-US" smtClean="0"/>
-              <a:t>4/10/24</a:t>
+              <a:t>6/19/24</a:t>
             </a:fld>
             <a:endParaRPr lang="en-US"/>
           </a:p>
@@ -2927,7 +2927,7 @@
           <a:p>
             <a:fld id="{1C4588B7-AB7C-C348-BDC9-E184859105BC}" type="datetimeFigureOut">
               <a:rPr lang="en-US" smtClean="0"/>
-              <a:t>4/10/24</a:t>
+              <a:t>6/19/24</a:t>
             </a:fld>
             <a:endParaRPr lang="en-US"/>
           </a:p>
@@ -4787,192 +4787,12 @@
           <a:chExt cx="0" cy="0"/>
         </a:xfrm>
       </p:grpSpPr>
-      <p:sp>
-        <p:nvSpPr>
-          <p:cNvPr id="2" name="Bent Arrow 1">
-            <a:extLst>
-              <a:ext uri="{FF2B5EF4-FFF2-40B4-BE49-F238E27FC236}">
-                <a16:creationId xmlns:a16="http://schemas.microsoft.com/office/drawing/2014/main" id="{471FB5BD-CD52-A283-6F83-AC812BC09FDA}"/>
-              </a:ext>
-            </a:extLst>
-          </p:cNvPr>
-          <p:cNvSpPr/>
-          <p:nvPr/>
-        </p:nvSpPr>
-        <p:spPr>
-          <a:xfrm rot="16200000" flipH="1">
-            <a:off x="1234970" y="5426750"/>
-            <a:ext cx="830996" cy="1601271"/>
-          </a:xfrm>
-          <a:prstGeom prst="bentArrow">
-            <a:avLst>
-              <a:gd name="adj1" fmla="val 1650"/>
-              <a:gd name="adj2" fmla="val 15355"/>
-              <a:gd name="adj3" fmla="val 32107"/>
-              <a:gd name="adj4" fmla="val 44765"/>
-            </a:avLst>
-          </a:prstGeom>
-        </p:spPr>
-        <p:style>
-          <a:lnRef idx="2">
-            <a:schemeClr val="dk1">
-              <a:shade val="50000"/>
-            </a:schemeClr>
-          </a:lnRef>
-          <a:fillRef idx="1">
-            <a:schemeClr val="dk1"/>
-          </a:fillRef>
-          <a:effectRef idx="0">
-            <a:schemeClr val="dk1"/>
-          </a:effectRef>
-          <a:fontRef idx="minor">
-            <a:schemeClr val="lt1"/>
-          </a:fontRef>
-        </p:style>
-        <p:txBody>
-          <a:bodyPr rtlCol="0" anchor="ctr"/>
-          <a:lstStyle/>
-          <a:p>
-            <a:pPr algn="ctr"/>
-            <a:endParaRPr lang="en-US">
-              <a:solidFill>
-                <a:schemeClr val="tx1"/>
-              </a:solidFill>
-            </a:endParaRPr>
-          </a:p>
-        </p:txBody>
-      </p:sp>
-      <p:sp>
-        <p:nvSpPr>
-          <p:cNvPr id="3" name="TextBox 2">
-            <a:extLst>
-              <a:ext uri="{FF2B5EF4-FFF2-40B4-BE49-F238E27FC236}">
-                <a16:creationId xmlns:a16="http://schemas.microsoft.com/office/drawing/2014/main" id="{8BF59AB0-8277-A5D3-D75B-08482094F95E}"/>
-              </a:ext>
-            </a:extLst>
-          </p:cNvPr>
-          <p:cNvSpPr txBox="1"/>
-          <p:nvPr/>
-        </p:nvSpPr>
-        <p:spPr>
-          <a:xfrm>
-            <a:off x="2540612" y="5427284"/>
-            <a:ext cx="1782221" cy="830997"/>
-          </a:xfrm>
-          <a:prstGeom prst="rect">
-            <a:avLst/>
-          </a:prstGeom>
-          <a:noFill/>
-        </p:spPr>
-        <p:txBody>
-          <a:bodyPr wrap="square" rtlCol="0">
-            <a:spAutoFit/>
-          </a:bodyPr>
-          <a:lstStyle/>
-          <a:p>
-            <a:r>
-              <a:rPr lang="en-US" sz="2400" dirty="0"/>
-              <a:t>Take us back to the video!</a:t>
-            </a:r>
-          </a:p>
-        </p:txBody>
-      </p:sp>
-      <p:sp>
-        <p:nvSpPr>
-          <p:cNvPr id="4" name="Bent Arrow 3">
-            <a:extLst>
-              <a:ext uri="{FF2B5EF4-FFF2-40B4-BE49-F238E27FC236}">
-                <a16:creationId xmlns:a16="http://schemas.microsoft.com/office/drawing/2014/main" id="{1D1F9330-D038-2051-F77F-3F6AA7DA8DAF}"/>
-              </a:ext>
-            </a:extLst>
-          </p:cNvPr>
-          <p:cNvSpPr/>
-          <p:nvPr/>
-        </p:nvSpPr>
-        <p:spPr>
-          <a:xfrm rot="5400000">
-            <a:off x="10029132" y="5426750"/>
-            <a:ext cx="830997" cy="1601270"/>
-          </a:xfrm>
-          <a:prstGeom prst="bentArrow">
-            <a:avLst>
-              <a:gd name="adj1" fmla="val 1650"/>
-              <a:gd name="adj2" fmla="val 15355"/>
-              <a:gd name="adj3" fmla="val 32107"/>
-              <a:gd name="adj4" fmla="val 44765"/>
-            </a:avLst>
-          </a:prstGeom>
-        </p:spPr>
-        <p:style>
-          <a:lnRef idx="2">
-            <a:schemeClr val="dk1">
-              <a:shade val="50000"/>
-            </a:schemeClr>
-          </a:lnRef>
-          <a:fillRef idx="1">
-            <a:schemeClr val="dk1"/>
-          </a:fillRef>
-          <a:effectRef idx="0">
-            <a:schemeClr val="dk1"/>
-          </a:effectRef>
-          <a:fontRef idx="minor">
-            <a:schemeClr val="lt1"/>
-          </a:fontRef>
-        </p:style>
-        <p:txBody>
-          <a:bodyPr rtlCol="0" anchor="ctr"/>
-          <a:lstStyle/>
-          <a:p>
-            <a:pPr algn="ctr"/>
-            <a:endParaRPr lang="en-US">
-              <a:solidFill>
-                <a:schemeClr val="tx1"/>
-              </a:solidFill>
-            </a:endParaRPr>
-          </a:p>
-        </p:txBody>
-      </p:sp>
-      <p:sp>
-        <p:nvSpPr>
-          <p:cNvPr id="5" name="TextBox 4">
-            <a:extLst>
-              <a:ext uri="{FF2B5EF4-FFF2-40B4-BE49-F238E27FC236}">
-                <a16:creationId xmlns:a16="http://schemas.microsoft.com/office/drawing/2014/main" id="{8781BDEF-1BFC-528F-F7EB-A0E7A0059201}"/>
-              </a:ext>
-            </a:extLst>
-          </p:cNvPr>
-          <p:cNvSpPr txBox="1"/>
-          <p:nvPr/>
-        </p:nvSpPr>
-        <p:spPr>
-          <a:xfrm>
-            <a:off x="7772266" y="5427284"/>
-            <a:ext cx="1871731" cy="830997"/>
-          </a:xfrm>
-          <a:prstGeom prst="rect">
-            <a:avLst/>
-          </a:prstGeom>
-          <a:noFill/>
-        </p:spPr>
-        <p:txBody>
-          <a:bodyPr wrap="square" rtlCol="0">
-            <a:spAutoFit/>
-          </a:bodyPr>
-          <a:lstStyle/>
-          <a:p>
-            <a:r>
-              <a:rPr lang="en-US" sz="2400" dirty="0"/>
-              <a:t>My child understands!</a:t>
-            </a:r>
-          </a:p>
-        </p:txBody>
-      </p:sp>
       <p:pic>
         <p:nvPicPr>
-          <p:cNvPr id="8" name="Graphic 7" descr="Help with solid fill">
-            <a:extLst>
-              <a:ext uri="{FF2B5EF4-FFF2-40B4-BE49-F238E27FC236}">
-                <a16:creationId xmlns:a16="http://schemas.microsoft.com/office/drawing/2014/main" id="{3B2F8A57-F67B-497D-3007-642885BF1FB6}"/>
+          <p:cNvPr id="12" name="Graphic 11" descr="Speech outline">
+            <a:extLst>
+              <a:ext uri="{FF2B5EF4-FFF2-40B4-BE49-F238E27FC236}">
+                <a16:creationId xmlns:a16="http://schemas.microsoft.com/office/drawing/2014/main" id="{FEBB8875-BC49-BB1A-93AB-52B29644B720}"/>
               </a:ext>
             </a:extLst>
           </p:cNvPr>
@@ -4995,18 +4815,56 @@
         </p:blipFill>
         <p:spPr>
           <a:xfrm>
-            <a:off x="4724400" y="2057400"/>
-            <a:ext cx="2743200" cy="2743200"/>
+            <a:off x="3352800" y="805720"/>
+            <a:ext cx="5486400" cy="5486400"/>
           </a:xfrm>
           <a:prstGeom prst="rect">
             <a:avLst/>
           </a:prstGeom>
         </p:spPr>
       </p:pic>
+      <p:sp>
+        <p:nvSpPr>
+          <p:cNvPr id="13" name="TextBox 12">
+            <a:extLst>
+              <a:ext uri="{FF2B5EF4-FFF2-40B4-BE49-F238E27FC236}">
+                <a16:creationId xmlns:a16="http://schemas.microsoft.com/office/drawing/2014/main" id="{4AD398E1-E089-1B06-AA2F-78B22C51946E}"/>
+              </a:ext>
+            </a:extLst>
+          </p:cNvPr>
+          <p:cNvSpPr txBox="1"/>
+          <p:nvPr/>
+        </p:nvSpPr>
+        <p:spPr>
+          <a:xfrm>
+            <a:off x="4776398" y="2523051"/>
+            <a:ext cx="2639205" cy="1200329"/>
+          </a:xfrm>
+          <a:prstGeom prst="rect">
+            <a:avLst/>
+          </a:prstGeom>
+          <a:noFill/>
+        </p:spPr>
+        <p:txBody>
+          <a:bodyPr wrap="square" rtlCol="0">
+            <a:spAutoFit/>
+          </a:bodyPr>
+          <a:lstStyle/>
+          <a:p>
+            <a:r>
+              <a:rPr lang="en-US" sz="7200" dirty="0">
+                <a:latin typeface="Congenial" panose="020F0502020204030204" pitchFamily="34" charset="0"/>
+                <a:cs typeface="Congenial" panose="020F0502020204030204" pitchFamily="34" charset="0"/>
+              </a:rPr>
+              <a:t>Hello!</a:t>
+            </a:r>
+          </a:p>
+        </p:txBody>
+      </p:sp>
     </p:spTree>
     <p:extLst>
       <p:ext uri="{BB962C8B-B14F-4D97-AF65-F5344CB8AC3E}">
-        <p14:creationId xmlns:p14="http://schemas.microsoft.com/office/powerpoint/2010/main" val="716871221"/>
+        <p14:creationId xmlns:p14="http://schemas.microsoft.com/office/powerpoint/2010/main" val="2011429464"/>
       </p:ext>
     </p:extLst>
   </p:cSld>
@@ -5033,91 +4891,226 @@
           <a:chExt cx="0" cy="0"/>
         </a:xfrm>
       </p:grpSpPr>
-      <p:grpSp>
-        <p:nvGrpSpPr>
-          <p:cNvPr id="7" name="Group 6">
-            <a:extLst>
-              <a:ext uri="{FF2B5EF4-FFF2-40B4-BE49-F238E27FC236}">
-                <a16:creationId xmlns:a16="http://schemas.microsoft.com/office/drawing/2014/main" id="{372F377F-3C38-1E56-5AE1-FB95AD1C37E7}"/>
-              </a:ext>
-            </a:extLst>
-          </p:cNvPr>
-          <p:cNvGrpSpPr/>
+      <p:sp>
+        <p:nvSpPr>
+          <p:cNvPr id="2" name="Bent Arrow 1">
+            <a:extLst>
+              <a:ext uri="{FF2B5EF4-FFF2-40B4-BE49-F238E27FC236}">
+                <a16:creationId xmlns:a16="http://schemas.microsoft.com/office/drawing/2014/main" id="{471FB5BD-CD52-A283-6F83-AC812BC09FDA}"/>
+              </a:ext>
+            </a:extLst>
+          </p:cNvPr>
+          <p:cNvSpPr/>
           <p:nvPr/>
-        </p:nvGrpSpPr>
-        <p:grpSpPr>
+        </p:nvSpPr>
+        <p:spPr>
+          <a:xfrm rot="16200000" flipH="1">
+            <a:off x="1234970" y="5426750"/>
+            <a:ext cx="830996" cy="1601271"/>
+          </a:xfrm>
+          <a:prstGeom prst="bentArrow">
+            <a:avLst>
+              <a:gd name="adj1" fmla="val 1650"/>
+              <a:gd name="adj2" fmla="val 15355"/>
+              <a:gd name="adj3" fmla="val 32107"/>
+              <a:gd name="adj4" fmla="val 44765"/>
+            </a:avLst>
+          </a:prstGeom>
+        </p:spPr>
+        <p:style>
+          <a:lnRef idx="2">
+            <a:schemeClr val="dk1">
+              <a:shade val="50000"/>
+            </a:schemeClr>
+          </a:lnRef>
+          <a:fillRef idx="1">
+            <a:schemeClr val="dk1"/>
+          </a:fillRef>
+          <a:effectRef idx="0">
+            <a:schemeClr val="dk1"/>
+          </a:effectRef>
+          <a:fontRef idx="minor">
+            <a:schemeClr val="lt1"/>
+          </a:fontRef>
+        </p:style>
+        <p:txBody>
+          <a:bodyPr rtlCol="0" anchor="ctr"/>
+          <a:lstStyle/>
+          <a:p>
+            <a:pPr algn="ctr"/>
+            <a:endParaRPr lang="en-US">
+              <a:solidFill>
+                <a:schemeClr val="tx1"/>
+              </a:solidFill>
+            </a:endParaRPr>
+          </a:p>
+        </p:txBody>
+      </p:sp>
+      <p:sp>
+        <p:nvSpPr>
+          <p:cNvPr id="3" name="TextBox 2">
+            <a:extLst>
+              <a:ext uri="{FF2B5EF4-FFF2-40B4-BE49-F238E27FC236}">
+                <a16:creationId xmlns:a16="http://schemas.microsoft.com/office/drawing/2014/main" id="{8BF59AB0-8277-A5D3-D75B-08482094F95E}"/>
+              </a:ext>
+            </a:extLst>
+          </p:cNvPr>
+          <p:cNvSpPr txBox="1"/>
+          <p:nvPr/>
+        </p:nvSpPr>
+        <p:spPr>
           <a:xfrm>
-            <a:off x="468419" y="889000"/>
-            <a:ext cx="11255163" cy="5080000"/>
-            <a:chOff x="492170" y="889000"/>
-            <a:chExt cx="11255163" cy="5080000"/>
-          </a:xfrm>
-        </p:grpSpPr>
-        <p:pic>
-          <p:nvPicPr>
-            <p:cNvPr id="3" name="Picture 2" descr="A cartoon character with a speech bubble&#10;&#10;Description automatically generated with medium confidence">
-              <a:extLst>
-                <a:ext uri="{FF2B5EF4-FFF2-40B4-BE49-F238E27FC236}">
-                  <a16:creationId xmlns:a16="http://schemas.microsoft.com/office/drawing/2014/main" id="{8986C881-641B-DF08-C108-343545FE4EF2}"/>
-                </a:ext>
-              </a:extLst>
-            </p:cNvPr>
-            <p:cNvPicPr>
-              <a:picLocks noChangeAspect="1"/>
-            </p:cNvPicPr>
-            <p:nvPr/>
-          </p:nvPicPr>
-          <p:blipFill>
-            <a:blip r:embed="rId2"/>
-            <a:stretch>
-              <a:fillRect/>
-            </a:stretch>
-          </p:blipFill>
-          <p:spPr>
-            <a:xfrm>
-              <a:off x="492170" y="889000"/>
-              <a:ext cx="5080000" cy="5080000"/>
-            </a:xfrm>
-            <a:prstGeom prst="rect">
-              <a:avLst/>
-            </a:prstGeom>
-          </p:spPr>
-        </p:pic>
-        <p:pic>
-          <p:nvPicPr>
-            <p:cNvPr id="6" name="Picture 5" descr="A cartoon characters with a speech bubble&#10;&#10;Description automatically generated">
-              <a:extLst>
-                <a:ext uri="{FF2B5EF4-FFF2-40B4-BE49-F238E27FC236}">
-                  <a16:creationId xmlns:a16="http://schemas.microsoft.com/office/drawing/2014/main" id="{61BF4616-2380-72EC-CF55-A4E86DE2AC17}"/>
-                </a:ext>
-              </a:extLst>
-            </p:cNvPr>
-            <p:cNvPicPr>
-              <a:picLocks noChangeAspect="1"/>
-            </p:cNvPicPr>
-            <p:nvPr/>
-          </p:nvPicPr>
-          <p:blipFill>
-            <a:blip r:embed="rId3"/>
-            <a:stretch>
-              <a:fillRect/>
-            </a:stretch>
-          </p:blipFill>
-          <p:spPr>
-            <a:xfrm>
-              <a:off x="6667333" y="889000"/>
-              <a:ext cx="5080000" cy="5080000"/>
-            </a:xfrm>
-            <a:prstGeom prst="rect">
-              <a:avLst/>
-            </a:prstGeom>
-          </p:spPr>
-        </p:pic>
-      </p:grpSp>
+            <a:off x="2540612" y="5427284"/>
+            <a:ext cx="1782221" cy="830997"/>
+          </a:xfrm>
+          <a:prstGeom prst="rect">
+            <a:avLst/>
+          </a:prstGeom>
+          <a:noFill/>
+        </p:spPr>
+        <p:txBody>
+          <a:bodyPr wrap="square" rtlCol="0">
+            <a:spAutoFit/>
+          </a:bodyPr>
+          <a:lstStyle/>
+          <a:p>
+            <a:r>
+              <a:rPr lang="en-US" sz="2400" dirty="0"/>
+              <a:t>Take us back to the video!</a:t>
+            </a:r>
+          </a:p>
+        </p:txBody>
+      </p:sp>
+      <p:sp>
+        <p:nvSpPr>
+          <p:cNvPr id="4" name="Bent Arrow 3">
+            <a:extLst>
+              <a:ext uri="{FF2B5EF4-FFF2-40B4-BE49-F238E27FC236}">
+                <a16:creationId xmlns:a16="http://schemas.microsoft.com/office/drawing/2014/main" id="{1D1F9330-D038-2051-F77F-3F6AA7DA8DAF}"/>
+              </a:ext>
+            </a:extLst>
+          </p:cNvPr>
+          <p:cNvSpPr/>
+          <p:nvPr/>
+        </p:nvSpPr>
+        <p:spPr>
+          <a:xfrm rot="5400000">
+            <a:off x="10029132" y="5426750"/>
+            <a:ext cx="830997" cy="1601270"/>
+          </a:xfrm>
+          <a:prstGeom prst="bentArrow">
+            <a:avLst>
+              <a:gd name="adj1" fmla="val 1650"/>
+              <a:gd name="adj2" fmla="val 15355"/>
+              <a:gd name="adj3" fmla="val 32107"/>
+              <a:gd name="adj4" fmla="val 44765"/>
+            </a:avLst>
+          </a:prstGeom>
+        </p:spPr>
+        <p:style>
+          <a:lnRef idx="2">
+            <a:schemeClr val="dk1">
+              <a:shade val="50000"/>
+            </a:schemeClr>
+          </a:lnRef>
+          <a:fillRef idx="1">
+            <a:schemeClr val="dk1"/>
+          </a:fillRef>
+          <a:effectRef idx="0">
+            <a:schemeClr val="dk1"/>
+          </a:effectRef>
+          <a:fontRef idx="minor">
+            <a:schemeClr val="lt1"/>
+          </a:fontRef>
+        </p:style>
+        <p:txBody>
+          <a:bodyPr rtlCol="0" anchor="ctr"/>
+          <a:lstStyle/>
+          <a:p>
+            <a:pPr algn="ctr"/>
+            <a:endParaRPr lang="en-US">
+              <a:solidFill>
+                <a:schemeClr val="tx1"/>
+              </a:solidFill>
+            </a:endParaRPr>
+          </a:p>
+        </p:txBody>
+      </p:sp>
+      <p:sp>
+        <p:nvSpPr>
+          <p:cNvPr id="5" name="TextBox 4">
+            <a:extLst>
+              <a:ext uri="{FF2B5EF4-FFF2-40B4-BE49-F238E27FC236}">
+                <a16:creationId xmlns:a16="http://schemas.microsoft.com/office/drawing/2014/main" id="{8781BDEF-1BFC-528F-F7EB-A0E7A0059201}"/>
+              </a:ext>
+            </a:extLst>
+          </p:cNvPr>
+          <p:cNvSpPr txBox="1"/>
+          <p:nvPr/>
+        </p:nvSpPr>
+        <p:spPr>
+          <a:xfrm>
+            <a:off x="7772266" y="5427284"/>
+            <a:ext cx="1871731" cy="830997"/>
+          </a:xfrm>
+          <a:prstGeom prst="rect">
+            <a:avLst/>
+          </a:prstGeom>
+          <a:noFill/>
+        </p:spPr>
+        <p:txBody>
+          <a:bodyPr wrap="square" rtlCol="0">
+            <a:spAutoFit/>
+          </a:bodyPr>
+          <a:lstStyle/>
+          <a:p>
+            <a:r>
+              <a:rPr lang="en-US" sz="2400" dirty="0"/>
+              <a:t>My child understands!</a:t>
+            </a:r>
+          </a:p>
+        </p:txBody>
+      </p:sp>
+      <p:pic>
+        <p:nvPicPr>
+          <p:cNvPr id="8" name="Graphic 7" descr="Help with solid fill">
+            <a:extLst>
+              <a:ext uri="{FF2B5EF4-FFF2-40B4-BE49-F238E27FC236}">
+                <a16:creationId xmlns:a16="http://schemas.microsoft.com/office/drawing/2014/main" id="{3B2F8A57-F67B-497D-3007-642885BF1FB6}"/>
+              </a:ext>
+            </a:extLst>
+          </p:cNvPr>
+          <p:cNvPicPr>
+            <a:picLocks noChangeAspect="1"/>
+          </p:cNvPicPr>
+          <p:nvPr/>
+        </p:nvPicPr>
+        <p:blipFill>
+          <a:blip r:embed="rId2">
+            <a:extLst>
+              <a:ext uri="{96DAC541-7B7A-43D3-8B79-37D633B846F1}">
+                <asvg:svgBlip xmlns:asvg="http://schemas.microsoft.com/office/drawing/2016/SVG/main" r:embed="rId3"/>
+              </a:ext>
+            </a:extLst>
+          </a:blip>
+          <a:stretch>
+            <a:fillRect/>
+          </a:stretch>
+        </p:blipFill>
+        <p:spPr>
+          <a:xfrm>
+            <a:off x="4724400" y="2057400"/>
+            <a:ext cx="2743200" cy="2743200"/>
+          </a:xfrm>
+          <a:prstGeom prst="rect">
+            <a:avLst/>
+          </a:prstGeom>
+        </p:spPr>
+      </p:pic>
     </p:spTree>
     <p:extLst>
       <p:ext uri="{BB962C8B-B14F-4D97-AF65-F5344CB8AC3E}">
-        <p14:creationId xmlns:p14="http://schemas.microsoft.com/office/powerpoint/2010/main" val="4131552478"/>
+        <p14:creationId xmlns:p14="http://schemas.microsoft.com/office/powerpoint/2010/main" val="716871221"/>
       </p:ext>
     </p:extLst>
   </p:cSld>
@@ -5146,10 +5139,10 @@
       </p:grpSpPr>
       <p:pic>
         <p:nvPicPr>
-          <p:cNvPr id="3" name="Picture 2" descr="A cartoon character with a speech bubble&#10;&#10;Description automatically generated with medium confidence">
-            <a:extLst>
-              <a:ext uri="{FF2B5EF4-FFF2-40B4-BE49-F238E27FC236}">
-                <a16:creationId xmlns:a16="http://schemas.microsoft.com/office/drawing/2014/main" id="{8986C881-641B-DF08-C108-343545FE4EF2}"/>
+          <p:cNvPr id="16" name="Picture 15" descr="Camera with solid fill">
+            <a:extLst>
+              <a:ext uri="{FF2B5EF4-FFF2-40B4-BE49-F238E27FC236}">
+                <a16:creationId xmlns:a16="http://schemas.microsoft.com/office/drawing/2014/main" id="{0C607B9F-CD69-9A82-8FEF-4E9DF1A9005C}"/>
               </a:ext>
             </a:extLst>
           </p:cNvPr>
@@ -5159,45 +5152,105 @@
           <p:nvPr/>
         </p:nvPicPr>
         <p:blipFill>
-          <a:blip r:embed="rId2"/>
+          <a:blip r:embed="rId2">
+            <a:extLst>
+              <a:ext uri="{96DAC541-7B7A-43D3-8B79-37D633B846F1}">
+                <asvg:svgBlip xmlns:asvg="http://schemas.microsoft.com/office/drawing/2016/SVG/main" r:embed="rId3"/>
+              </a:ext>
+            </a:extLst>
+          </a:blip>
+          <a:srcRect/>
+          <a:stretch/>
+        </p:blipFill>
+        <p:spPr>
+          <a:xfrm>
+            <a:off x="1483101" y="1600200"/>
+            <a:ext cx="3657600" cy="3657600"/>
+          </a:xfrm>
+          <a:prstGeom prst="rect">
+            <a:avLst/>
+          </a:prstGeom>
+        </p:spPr>
+      </p:pic>
+      <p:sp>
+        <p:nvSpPr>
+          <p:cNvPr id="17" name="Right Arrow 16">
+            <a:extLst>
+              <a:ext uri="{FF2B5EF4-FFF2-40B4-BE49-F238E27FC236}">
+                <a16:creationId xmlns:a16="http://schemas.microsoft.com/office/drawing/2014/main" id="{23799EDC-EDAC-CBFB-D045-E7610F87643B}"/>
+              </a:ext>
+            </a:extLst>
+          </p:cNvPr>
+          <p:cNvSpPr/>
+          <p:nvPr/>
+        </p:nvSpPr>
+        <p:spPr>
+          <a:xfrm>
+            <a:off x="6096000" y="2316480"/>
+            <a:ext cx="2461566" cy="2148840"/>
+          </a:xfrm>
+          <a:prstGeom prst="rightArrow">
+            <a:avLst>
+              <a:gd name="adj1" fmla="val 34127"/>
+              <a:gd name="adj2" fmla="val 50000"/>
+            </a:avLst>
+          </a:prstGeom>
+        </p:spPr>
+        <p:style>
+          <a:lnRef idx="2">
+            <a:schemeClr val="dk1">
+              <a:shade val="15000"/>
+            </a:schemeClr>
+          </a:lnRef>
+          <a:fillRef idx="1">
+            <a:schemeClr val="dk1"/>
+          </a:fillRef>
+          <a:effectRef idx="0">
+            <a:schemeClr val="dk1"/>
+          </a:effectRef>
+          <a:fontRef idx="minor">
+            <a:schemeClr val="lt1"/>
+          </a:fontRef>
+        </p:style>
+        <p:txBody>
+          <a:bodyPr rtlCol="0" anchor="ctr"/>
+          <a:lstStyle/>
+          <a:p>
+            <a:pPr algn="ctr"/>
+            <a:endParaRPr lang="en-US" b="1" dirty="0"/>
+          </a:p>
+        </p:txBody>
+      </p:sp>
+      <p:pic>
+        <p:nvPicPr>
+          <p:cNvPr id="18" name="Graphic 17" descr="Question Mark with solid fill">
+            <a:extLst>
+              <a:ext uri="{FF2B5EF4-FFF2-40B4-BE49-F238E27FC236}">
+                <a16:creationId xmlns:a16="http://schemas.microsoft.com/office/drawing/2014/main" id="{49FCFB50-E981-D91B-764C-A89F1F716290}"/>
+              </a:ext>
+            </a:extLst>
+          </p:cNvPr>
+          <p:cNvPicPr>
+            <a:picLocks noChangeAspect="1"/>
+          </p:cNvPicPr>
+          <p:nvPr/>
+        </p:nvPicPr>
+        <p:blipFill>
+          <a:blip r:embed="rId4">
+            <a:extLst>
+              <a:ext uri="{96DAC541-7B7A-43D3-8B79-37D633B846F1}">
+                <asvg:svgBlip xmlns:asvg="http://schemas.microsoft.com/office/drawing/2016/SVG/main" r:embed="rId5"/>
+              </a:ext>
+            </a:extLst>
+          </a:blip>
           <a:stretch>
             <a:fillRect/>
           </a:stretch>
         </p:blipFill>
         <p:spPr>
           <a:xfrm>
-            <a:off x="468419" y="889000"/>
-            <a:ext cx="5080000" cy="5080000"/>
-          </a:xfrm>
-          <a:prstGeom prst="rect">
-            <a:avLst/>
-          </a:prstGeom>
-        </p:spPr>
-      </p:pic>
-      <p:pic>
-        <p:nvPicPr>
-          <p:cNvPr id="10" name="Picture 9" descr="A cartoon characters with a speech bubble&#10;&#10;Description automatically generated">
-            <a:extLst>
-              <a:ext uri="{FF2B5EF4-FFF2-40B4-BE49-F238E27FC236}">
-                <a16:creationId xmlns:a16="http://schemas.microsoft.com/office/drawing/2014/main" id="{06A3530F-D3A7-9CE3-940D-2BAFE74A1344}"/>
-              </a:ext>
-            </a:extLst>
-          </p:cNvPr>
-          <p:cNvPicPr>
-            <a:picLocks noChangeAspect="1"/>
-          </p:cNvPicPr>
-          <p:nvPr/>
-        </p:nvPicPr>
-        <p:blipFill>
-          <a:blip r:embed="rId3"/>
-          <a:stretch>
-            <a:fillRect/>
-          </a:stretch>
-        </p:blipFill>
-        <p:spPr>
-          <a:xfrm>
-            <a:off x="6655457" y="889000"/>
-            <a:ext cx="5080000" cy="5080000"/>
+            <a:off x="9144733" y="2316480"/>
+            <a:ext cx="1969253" cy="2148840"/>
           </a:xfrm>
           <a:prstGeom prst="rect">
             <a:avLst/>
@@ -5207,7 +5260,7 @@
     </p:spTree>
     <p:extLst>
       <p:ext uri="{BB962C8B-B14F-4D97-AF65-F5344CB8AC3E}">
-        <p14:creationId xmlns:p14="http://schemas.microsoft.com/office/powerpoint/2010/main" val="969324496"/>
+        <p14:creationId xmlns:p14="http://schemas.microsoft.com/office/powerpoint/2010/main" val="2250976017"/>
       </p:ext>
     </p:extLst>
   </p:cSld>
